--- a/doc/gem5.pptx
+++ b/doc/gem5.pptx
@@ -2510,114 +2510,6 @@
       </p:sp>
       <p:sp>
         <p:nvSpPr>
-          <p:cNvPr id="41" name="CustomShape 5"/>
-          <p:cNvSpPr/>
-          <p:nvPr/>
-        </p:nvSpPr>
-        <p:spPr>
-          <a:xfrm>
-            <a:off x="5567040" y="5521680"/>
-            <a:ext cx="1054800" cy="324360"/>
-          </a:xfrm>
-          <a:prstGeom prst="roundRect">
-            <a:avLst>
-              <a:gd name="adj" fmla="val 50000"/>
-            </a:avLst>
-          </a:prstGeom>
-          <a:noFill/>
-          <a:ln w="6480">
-            <a:solidFill>
-              <a:schemeClr val="bg1"/>
-            </a:solidFill>
-            <a:round/>
-          </a:ln>
-        </p:spPr>
-        <p:style>
-          <a:lnRef idx="2">
-            <a:schemeClr val="accent1">
-              <a:shade val="50000"/>
-            </a:schemeClr>
-          </a:lnRef>
-          <a:fillRef idx="1">
-            <a:schemeClr val="accent1"/>
-          </a:fillRef>
-          <a:effectRef idx="0">
-            <a:schemeClr val="accent1"/>
-          </a:effectRef>
-          <a:fontRef idx="minor"/>
-        </p:style>
-      </p:sp>
-      <p:sp>
-        <p:nvSpPr>
-          <p:cNvPr id="42" name="CustomShape 6"/>
-          <p:cNvSpPr/>
-          <p:nvPr/>
-        </p:nvSpPr>
-        <p:spPr>
-          <a:xfrm>
-            <a:off x="4627800" y="5562360"/>
-            <a:ext cx="2933280" cy="240120"/>
-          </a:xfrm>
-          <a:prstGeom prst="rect">
-            <a:avLst/>
-          </a:prstGeom>
-          <a:noFill/>
-          <a:ln>
-            <a:noFill/>
-          </a:ln>
-        </p:spPr>
-        <p:style>
-          <a:lnRef idx="0">
-            <a:scrgbClr r="0" g="0" b="0"/>
-          </a:lnRef>
-          <a:fillRef idx="0">
-            <a:scrgbClr r="0" g="0" b="0"/>
-          </a:fillRef>
-          <a:effectRef idx="0">
-            <a:scrgbClr r="0" g="0" b="0"/>
-          </a:effectRef>
-          <a:fontRef idx="minor"/>
-        </p:style>
-        <p:txBody>
-          <a:bodyPr lIns="90000" tIns="45000" rIns="90000" bIns="45000"/>
-          <a:lstStyle/>
-          <a:p>
-            <a:pPr algn="ctr">
-              <a:lnSpc>
-                <a:spcPct val="100000"/>
-              </a:lnSpc>
-            </a:pPr>
-            <a:r>
-              <a:rPr lang="en-US" sz="1000" b="0" strike="noStrike" spc="-1">
-                <a:solidFill>
-                  <a:srgbClr val="FFFFFF"/>
-                </a:solidFill>
-                <a:uFill>
-                  <a:solidFill>
-                    <a:srgbClr val="FFFFFF"/>
-                  </a:solidFill>
-                </a:uFill>
-                <a:latin typeface="方正兰亭超细黑简体"/>
-                <a:ea typeface="方正兰亭超细黑简体"/>
-              </a:rPr>
-              <a:t>汇报人：徐游荧</a:t>
-            </a:r>
-            <a:endParaRPr lang="en-US" sz="1800" b="0" strike="noStrike" spc="-1">
-              <a:solidFill>
-                <a:srgbClr val="000000"/>
-              </a:solidFill>
-              <a:uFill>
-                <a:solidFill>
-                  <a:srgbClr val="FFFFFF"/>
-                </a:solidFill>
-              </a:uFill>
-              <a:latin typeface="Arial"/>
-            </a:endParaRPr>
-          </a:p>
-        </p:txBody>
-      </p:sp>
-      <p:sp>
-        <p:nvSpPr>
           <p:cNvPr id="43" name="Line 7"/>
           <p:cNvSpPr/>
           <p:nvPr/>

--- a/doc/gem5.pptx
+++ b/doc/gem5.pptx
@@ -28,8 +28,8 @@
     <p:sldId id="273" r:id="rId22"/>
     <p:sldId id="274" r:id="rId23"/>
     <p:sldId id="298" r:id="rId24"/>
-    <p:sldId id="296" r:id="rId25"/>
-    <p:sldId id="297" r:id="rId26"/>
+    <p:sldId id="299" r:id="rId25"/>
+    <p:sldId id="296" r:id="rId26"/>
     <p:sldId id="276" r:id="rId27"/>
     <p:sldId id="279" r:id="rId28"/>
     <p:sldId id="286" r:id="rId29"/>
@@ -2510,6 +2510,114 @@
       </p:sp>
       <p:sp>
         <p:nvSpPr>
+          <p:cNvPr id="41" name="CustomShape 5"/>
+          <p:cNvSpPr/>
+          <p:nvPr/>
+        </p:nvSpPr>
+        <p:spPr>
+          <a:xfrm>
+            <a:off x="5567040" y="5521680"/>
+            <a:ext cx="1054800" cy="324360"/>
+          </a:xfrm>
+          <a:prstGeom prst="roundRect">
+            <a:avLst>
+              <a:gd name="adj" fmla="val 50000"/>
+            </a:avLst>
+          </a:prstGeom>
+          <a:noFill/>
+          <a:ln w="6480">
+            <a:solidFill>
+              <a:schemeClr val="bg1"/>
+            </a:solidFill>
+            <a:round/>
+          </a:ln>
+        </p:spPr>
+        <p:style>
+          <a:lnRef idx="2">
+            <a:schemeClr val="accent1">
+              <a:shade val="50000"/>
+            </a:schemeClr>
+          </a:lnRef>
+          <a:fillRef idx="1">
+            <a:schemeClr val="accent1"/>
+          </a:fillRef>
+          <a:effectRef idx="0">
+            <a:schemeClr val="accent1"/>
+          </a:effectRef>
+          <a:fontRef idx="minor"/>
+        </p:style>
+      </p:sp>
+      <p:sp>
+        <p:nvSpPr>
+          <p:cNvPr id="42" name="CustomShape 6"/>
+          <p:cNvSpPr/>
+          <p:nvPr/>
+        </p:nvSpPr>
+        <p:spPr>
+          <a:xfrm>
+            <a:off x="4627800" y="5562360"/>
+            <a:ext cx="2933280" cy="240120"/>
+          </a:xfrm>
+          <a:prstGeom prst="rect">
+            <a:avLst/>
+          </a:prstGeom>
+          <a:noFill/>
+          <a:ln>
+            <a:noFill/>
+          </a:ln>
+        </p:spPr>
+        <p:style>
+          <a:lnRef idx="0">
+            <a:scrgbClr r="0" g="0" b="0"/>
+          </a:lnRef>
+          <a:fillRef idx="0">
+            <a:scrgbClr r="0" g="0" b="0"/>
+          </a:fillRef>
+          <a:effectRef idx="0">
+            <a:scrgbClr r="0" g="0" b="0"/>
+          </a:effectRef>
+          <a:fontRef idx="minor"/>
+        </p:style>
+        <p:txBody>
+          <a:bodyPr lIns="90000" tIns="45000" rIns="90000" bIns="45000"/>
+          <a:lstStyle/>
+          <a:p>
+            <a:pPr algn="ctr">
+              <a:lnSpc>
+                <a:spcPct val="100000"/>
+              </a:lnSpc>
+            </a:pPr>
+            <a:r>
+              <a:rPr lang="en-US" sz="1000" b="0" strike="noStrike" spc="-1">
+                <a:solidFill>
+                  <a:srgbClr val="FFFFFF"/>
+                </a:solidFill>
+                <a:uFill>
+                  <a:solidFill>
+                    <a:srgbClr val="FFFFFF"/>
+                  </a:solidFill>
+                </a:uFill>
+                <a:latin typeface="方正兰亭超细黑简体"/>
+                <a:ea typeface="方正兰亭超细黑简体"/>
+              </a:rPr>
+              <a:t>汇报人：徐游荧</a:t>
+            </a:r>
+            <a:endParaRPr lang="en-US" sz="1800" b="0" strike="noStrike" spc="-1">
+              <a:solidFill>
+                <a:srgbClr val="000000"/>
+              </a:solidFill>
+              <a:uFill>
+                <a:solidFill>
+                  <a:srgbClr val="FFFFFF"/>
+                </a:solidFill>
+              </a:uFill>
+              <a:latin typeface="Arial"/>
+            </a:endParaRPr>
+          </a:p>
+        </p:txBody>
+      </p:sp>
+      <p:sp>
+        <p:nvSpPr>
           <p:cNvPr id="43" name="Line 7"/>
           <p:cNvSpPr/>
           <p:nvPr/>
@@ -3356,6 +3464,18 @@
   <p:clrMapOvr>
     <a:masterClrMapping/>
   </p:clrMapOvr>
+  <mc:AlternateContent xmlns:mc="http://schemas.openxmlformats.org/markup-compatibility/2006">
+    <mc:Choice xmlns:p15="http://schemas.microsoft.com/office/powerpoint/2012/main" Requires="p15">
+      <p:transition xmlns:p14="http://schemas.microsoft.com/office/powerpoint/2010/main" spd="slow" p14:dur="2000">
+        <p15:prstTrans prst="fracture"/>
+      </p:transition>
+    </mc:Choice>
+    <mc:Fallback>
+      <p:transition spd="slow">
+        <p:fade/>
+      </p:transition>
+    </mc:Fallback>
+  </mc:AlternateContent>
   <p:timing>
     <p:tnLst>
       <p:par>
@@ -4009,6 +4129,9 @@
   <p:clrMapOvr>
     <a:masterClrMapping/>
   </p:clrMapOvr>
+  <p:transition spd="slow">
+    <p:push dir="u"/>
+  </p:transition>
   <p:timing>
     <p:tnLst>
       <p:par>
@@ -4430,6 +4553,18 @@
   <p:clrMapOvr>
     <a:masterClrMapping/>
   </p:clrMapOvr>
+  <mc:AlternateContent xmlns:mc="http://schemas.openxmlformats.org/markup-compatibility/2006">
+    <mc:Choice xmlns:p14="http://schemas.microsoft.com/office/powerpoint/2010/main" Requires="p14">
+      <p:transition spd="slow" p14:dur="1500">
+        <p:split orient="vert"/>
+      </p:transition>
+    </mc:Choice>
+    <mc:Fallback>
+      <p:transition spd="slow">
+        <p:split orient="vert"/>
+      </p:transition>
+    </mc:Fallback>
+  </mc:AlternateContent>
   <p:timing>
     <p:tnLst>
       <p:par>
@@ -5105,6 +5240,9 @@
   <p:clrMapOvr>
     <a:masterClrMapping/>
   </p:clrMapOvr>
+  <p:transition spd="slow">
+    <p:push dir="u"/>
+  </p:transition>
   <p:timing>
     <p:tnLst>
       <p:par>
@@ -5521,6 +5659,9 @@
   <p:clrMapOvr>
     <a:masterClrMapping/>
   </p:clrMapOvr>
+  <p:transition spd="slow">
+    <p:wheel spokes="1"/>
+  </p:transition>
   <p:timing>
     <p:tnLst>
       <p:par>
@@ -5913,6 +6054,9 @@
   <p:clrMapOvr>
     <a:masterClrMapping/>
   </p:clrMapOvr>
+  <p:transition spd="slow">
+    <p:cover/>
+  </p:transition>
   <p:timing>
     <p:tnLst>
       <p:par>
@@ -6350,6 +6494,9 @@
   <p:clrMapOvr>
     <a:masterClrMapping/>
   </p:clrMapOvr>
+  <p:transition spd="slow">
+    <p:cover/>
+  </p:transition>
   <p:timing>
     <p:tnLst>
       <p:par>
@@ -6798,6 +6945,9 @@
   <p:clrMapOvr>
     <a:masterClrMapping/>
   </p:clrMapOvr>
+  <p:transition spd="med">
+    <p:pull/>
+  </p:transition>
   <p:timing>
     <p:tnLst>
       <p:par>
@@ -8021,6 +8171,18 @@
   <p:clrMapOvr>
     <a:masterClrMapping/>
   </p:clrMapOvr>
+  <mc:AlternateContent xmlns:mc="http://schemas.openxmlformats.org/markup-compatibility/2006">
+    <mc:Choice xmlns:p15="http://schemas.microsoft.com/office/powerpoint/2012/main" Requires="p15">
+      <p:transition xmlns:p14="http://schemas.microsoft.com/office/powerpoint/2010/main" spd="slow" p14:dur="2000">
+        <p15:prstTrans prst="drape"/>
+      </p:transition>
+    </mc:Choice>
+    <mc:Fallback>
+      <p:transition spd="slow">
+        <p:fade/>
+      </p:transition>
+    </mc:Fallback>
+  </mc:AlternateContent>
   <p:timing>
     <p:tnLst>
       <p:par>
@@ -8556,6 +8718,18 @@
   <p:clrMapOvr>
     <a:masterClrMapping/>
   </p:clrMapOvr>
+  <mc:AlternateContent xmlns:mc="http://schemas.openxmlformats.org/markup-compatibility/2006">
+    <mc:Choice xmlns:p15="http://schemas.microsoft.com/office/powerpoint/2012/main" Requires="p15">
+      <p:transition xmlns:p14="http://schemas.microsoft.com/office/powerpoint/2010/main" spd="slow" p14:dur="1250">
+        <p15:prstTrans prst="pageCurlDouble"/>
+      </p:transition>
+    </mc:Choice>
+    <mc:Fallback>
+      <p:transition spd="slow">
+        <p:fade/>
+      </p:transition>
+    </mc:Fallback>
+  </mc:AlternateContent>
   <p:timing>
     <p:tnLst>
       <p:par>
@@ -10042,6 +10216,18 @@
   <p:clrMapOvr>
     <a:masterClrMapping/>
   </p:clrMapOvr>
+  <mc:AlternateContent xmlns:mc="http://schemas.openxmlformats.org/markup-compatibility/2006">
+    <mc:Choice xmlns:p14="http://schemas.microsoft.com/office/powerpoint/2010/main" Requires="p14">
+      <p:transition spd="slow" p14:dur="1600">
+        <p14:conveyor dir="l"/>
+      </p:transition>
+    </mc:Choice>
+    <mc:Fallback>
+      <p:transition spd="slow">
+        <p:fade/>
+      </p:transition>
+    </mc:Fallback>
+  </mc:AlternateContent>
   <p:timing>
     <p:tnLst>
       <p:par>
@@ -10650,6 +10836,18 @@
   <p:clrMapOvr>
     <a:masterClrMapping/>
   </p:clrMapOvr>
+  <mc:AlternateContent xmlns:mc="http://schemas.openxmlformats.org/markup-compatibility/2006">
+    <mc:Choice xmlns:p14="http://schemas.microsoft.com/office/powerpoint/2010/main" Requires="p14">
+      <p:transition spd="slow" p14:dur="1400">
+        <p14:doors dir="vert"/>
+      </p:transition>
+    </mc:Choice>
+    <mc:Fallback>
+      <p:transition spd="slow">
+        <p:fade/>
+      </p:transition>
+    </mc:Fallback>
+  </mc:AlternateContent>
   <p:timing>
     <p:tnLst>
       <p:par>
@@ -11340,6 +11538,9 @@
   <p:clrMapOvr>
     <a:masterClrMapping/>
   </p:clrMapOvr>
+  <p:transition spd="slow">
+    <p:push dir="u"/>
+  </p:transition>
   <p:timing>
     <p:tnLst>
       <p:par>
@@ -11564,440 +11765,795 @@
       </p:sp>
       <p:sp>
         <p:nvSpPr>
-          <p:cNvPr id="132" name="CustomShape 4"/>
-          <p:cNvSpPr/>
+          <p:cNvPr id="7" name="内容占位符 2"/>
+          <p:cNvSpPr txBox="1">
+            <a:spLocks/>
+          </p:cNvSpPr>
           <p:nvPr/>
         </p:nvSpPr>
         <p:spPr>
           <a:xfrm>
-            <a:off x="1196280" y="1728000"/>
-            <a:ext cx="9961560" cy="4974120"/>
+            <a:off x="1196280" y="1694019"/>
+            <a:ext cx="9745548" cy="499685"/>
           </a:xfrm>
           <a:prstGeom prst="rect">
             <a:avLst/>
           </a:prstGeom>
-          <a:noFill/>
-          <a:ln>
-            <a:noFill/>
-          </a:ln>
         </p:spPr>
-        <p:style>
-          <a:lnRef idx="0">
-            <a:scrgbClr r="0" g="0" b="0"/>
-          </a:lnRef>
-          <a:fillRef idx="0">
-            <a:scrgbClr r="0" g="0" b="0"/>
-          </a:fillRef>
-          <a:effectRef idx="0">
-            <a:scrgbClr r="0" g="0" b="0"/>
-          </a:effectRef>
-          <a:fontRef idx="minor"/>
-        </p:style>
         <p:txBody>
-          <a:bodyPr lIns="90000" tIns="45000" rIns="90000" bIns="45000"/>
-          <a:lstStyle/>
-          <a:p>
-            <a:pPr marL="216000" indent="-213120">
-              <a:lnSpc>
-                <a:spcPct val="100000"/>
-              </a:lnSpc>
-              <a:buClr>
-                <a:srgbClr val="000000"/>
-              </a:buClr>
-              <a:buSzPct val="45000"/>
-              <a:buFont typeface="Wingdings" charset="2"/>
-              <a:buChar char=""/>
+          <a:bodyPr vert="horz" lIns="91440" tIns="45720" rIns="91440" bIns="45720" rtlCol="0">
+            <a:noAutofit/>
+          </a:bodyPr>
+          <a:lstStyle>
+            <a:lvl1pPr marL="228600" indent="-228600" algn="l" defTabSz="914400" rtl="0" eaLnBrk="1" latinLnBrk="0" hangingPunct="1">
+              <a:lnSpc>
+                <a:spcPct val="90000"/>
+              </a:lnSpc>
+              <a:spcBef>
+                <a:spcPts val="1000"/>
+              </a:spcBef>
+              <a:buFont typeface="Arial" panose="020B0604020202020204" pitchFamily="34" charset="0"/>
+              <a:buChar char="•"/>
+              <a:defRPr lang="zh-CN" sz="2400" kern="1200">
+                <a:solidFill>
+                  <a:schemeClr val="tx1"/>
+                </a:solidFill>
+                <a:effectLst>
+                  <a:outerShdw blurRad="228600" algn="ctr" rotWithShape="0">
+                    <a:prstClr val="black">
+                      <a:alpha val="53000"/>
+                    </a:prstClr>
+                  </a:outerShdw>
+                </a:effectLst>
+                <a:latin typeface="Microsoft YaHei UI" panose="020B0503020204020204" pitchFamily="34" charset="-122"/>
+                <a:ea typeface="Microsoft YaHei UI" panose="020B0503020204020204" pitchFamily="34" charset="-122"/>
+                <a:cs typeface="+mn-cs"/>
+              </a:defRPr>
+            </a:lvl1pPr>
+            <a:lvl2pPr marL="685800" indent="-228600" algn="l" defTabSz="914400" rtl="0" eaLnBrk="1" latinLnBrk="0" hangingPunct="1">
+              <a:lnSpc>
+                <a:spcPct val="90000"/>
+              </a:lnSpc>
+              <a:spcBef>
+                <a:spcPts val="500"/>
+              </a:spcBef>
+              <a:buFont typeface="Arial" panose="020B0604020202020204" pitchFamily="34" charset="0"/>
+              <a:buChar char="•"/>
+              <a:defRPr lang="zh-CN" sz="2000" kern="1200">
+                <a:solidFill>
+                  <a:schemeClr val="tx1"/>
+                </a:solidFill>
+                <a:effectLst>
+                  <a:outerShdw blurRad="228600" algn="ctr" rotWithShape="0">
+                    <a:prstClr val="black">
+                      <a:alpha val="53000"/>
+                    </a:prstClr>
+                  </a:outerShdw>
+                </a:effectLst>
+                <a:latin typeface="Microsoft YaHei UI" panose="020B0503020204020204" pitchFamily="34" charset="-122"/>
+                <a:ea typeface="Microsoft YaHei UI" panose="020B0503020204020204" pitchFamily="34" charset="-122"/>
+                <a:cs typeface="+mn-cs"/>
+              </a:defRPr>
+            </a:lvl2pPr>
+            <a:lvl3pPr marL="1143000" indent="-228600" algn="l" defTabSz="914400" rtl="0" eaLnBrk="1" latinLnBrk="0" hangingPunct="1">
+              <a:lnSpc>
+                <a:spcPct val="90000"/>
+              </a:lnSpc>
+              <a:spcBef>
+                <a:spcPts val="500"/>
+              </a:spcBef>
+              <a:buFont typeface="Arial" panose="020B0604020202020204" pitchFamily="34" charset="0"/>
+              <a:buChar char="•"/>
+              <a:defRPr lang="zh-CN" sz="1800" kern="1200">
+                <a:solidFill>
+                  <a:schemeClr val="tx1"/>
+                </a:solidFill>
+                <a:effectLst>
+                  <a:outerShdw blurRad="228600" algn="ctr" rotWithShape="0">
+                    <a:prstClr val="black">
+                      <a:alpha val="53000"/>
+                    </a:prstClr>
+                  </a:outerShdw>
+                </a:effectLst>
+                <a:latin typeface="Microsoft YaHei UI" panose="020B0503020204020204" pitchFamily="34" charset="-122"/>
+                <a:ea typeface="Microsoft YaHei UI" panose="020B0503020204020204" pitchFamily="34" charset="-122"/>
+                <a:cs typeface="+mn-cs"/>
+              </a:defRPr>
+            </a:lvl3pPr>
+            <a:lvl4pPr marL="1600200" indent="-228600" algn="l" defTabSz="914400" rtl="0" eaLnBrk="1" latinLnBrk="0" hangingPunct="1">
+              <a:lnSpc>
+                <a:spcPct val="90000"/>
+              </a:lnSpc>
+              <a:spcBef>
+                <a:spcPts val="500"/>
+              </a:spcBef>
+              <a:buFont typeface="Arial" panose="020B0604020202020204" pitchFamily="34" charset="0"/>
+              <a:buChar char="•"/>
+              <a:defRPr lang="zh-CN" sz="1600" kern="1200">
+                <a:solidFill>
+                  <a:schemeClr val="tx1"/>
+                </a:solidFill>
+                <a:effectLst>
+                  <a:outerShdw blurRad="228600" algn="ctr" rotWithShape="0">
+                    <a:prstClr val="black">
+                      <a:alpha val="53000"/>
+                    </a:prstClr>
+                  </a:outerShdw>
+                </a:effectLst>
+                <a:latin typeface="Microsoft YaHei UI" panose="020B0503020204020204" pitchFamily="34" charset="-122"/>
+                <a:ea typeface="Microsoft YaHei UI" panose="020B0503020204020204" pitchFamily="34" charset="-122"/>
+                <a:cs typeface="+mn-cs"/>
+              </a:defRPr>
+            </a:lvl4pPr>
+            <a:lvl5pPr marL="2057400" indent="-228600" algn="l" defTabSz="914400" rtl="0" eaLnBrk="1" latinLnBrk="0" hangingPunct="1">
+              <a:lnSpc>
+                <a:spcPct val="90000"/>
+              </a:lnSpc>
+              <a:spcBef>
+                <a:spcPts val="500"/>
+              </a:spcBef>
+              <a:buFont typeface="Arial" panose="020B0604020202020204" pitchFamily="34" charset="0"/>
+              <a:buChar char="•"/>
+              <a:defRPr lang="zh-CN" sz="1600" kern="1200">
+                <a:solidFill>
+                  <a:schemeClr val="tx1"/>
+                </a:solidFill>
+                <a:effectLst>
+                  <a:outerShdw blurRad="228600" algn="ctr" rotWithShape="0">
+                    <a:prstClr val="black">
+                      <a:alpha val="53000"/>
+                    </a:prstClr>
+                  </a:outerShdw>
+                </a:effectLst>
+                <a:latin typeface="Microsoft YaHei UI" panose="020B0503020204020204" pitchFamily="34" charset="-122"/>
+                <a:ea typeface="Microsoft YaHei UI" panose="020B0503020204020204" pitchFamily="34" charset="-122"/>
+                <a:cs typeface="+mn-cs"/>
+              </a:defRPr>
+            </a:lvl5pPr>
+            <a:lvl6pPr marL="2514600" indent="-228600" algn="l" defTabSz="914400" rtl="0" eaLnBrk="1" latinLnBrk="0" hangingPunct="1">
+              <a:lnSpc>
+                <a:spcPct val="90000"/>
+              </a:lnSpc>
+              <a:spcBef>
+                <a:spcPts val="500"/>
+              </a:spcBef>
+              <a:buFont typeface="Arial" panose="020B0604020202020204" pitchFamily="34" charset="0"/>
+              <a:buChar char="•"/>
+              <a:defRPr lang="zh-CN" sz="1400" kern="1200">
+                <a:solidFill>
+                  <a:schemeClr val="tx1"/>
+                </a:solidFill>
+                <a:latin typeface="+mn-lt"/>
+                <a:ea typeface="+mn-ea"/>
+                <a:cs typeface="+mn-cs"/>
+              </a:defRPr>
+            </a:lvl6pPr>
+            <a:lvl7pPr marL="2971800" indent="-228600" algn="l" defTabSz="914400" rtl="0" eaLnBrk="1" latinLnBrk="0" hangingPunct="1">
+              <a:lnSpc>
+                <a:spcPct val="90000"/>
+              </a:lnSpc>
+              <a:spcBef>
+                <a:spcPts val="500"/>
+              </a:spcBef>
+              <a:buFont typeface="Arial" panose="020B0604020202020204" pitchFamily="34" charset="0"/>
+              <a:buChar char="•"/>
+              <a:defRPr lang="zh-CN" sz="1400" kern="1200">
+                <a:solidFill>
+                  <a:schemeClr val="tx1"/>
+                </a:solidFill>
+                <a:latin typeface="+mn-lt"/>
+                <a:ea typeface="+mn-ea"/>
+                <a:cs typeface="+mn-cs"/>
+              </a:defRPr>
+            </a:lvl7pPr>
+            <a:lvl8pPr marL="3429000" indent="-228600" algn="l" defTabSz="914400" rtl="0" eaLnBrk="1" latinLnBrk="0" hangingPunct="1">
+              <a:lnSpc>
+                <a:spcPct val="90000"/>
+              </a:lnSpc>
+              <a:spcBef>
+                <a:spcPts val="500"/>
+              </a:spcBef>
+              <a:buFont typeface="Arial" panose="020B0604020202020204" pitchFamily="34" charset="0"/>
+              <a:buChar char="•"/>
+              <a:defRPr lang="zh-CN" sz="1400" kern="1200">
+                <a:solidFill>
+                  <a:schemeClr val="tx1"/>
+                </a:solidFill>
+                <a:latin typeface="+mn-lt"/>
+                <a:ea typeface="+mn-ea"/>
+                <a:cs typeface="+mn-cs"/>
+              </a:defRPr>
+            </a:lvl8pPr>
+            <a:lvl9pPr marL="3886200" indent="-228600" algn="l" defTabSz="914400" rtl="0" eaLnBrk="1" latinLnBrk="0" hangingPunct="1">
+              <a:lnSpc>
+                <a:spcPct val="90000"/>
+              </a:lnSpc>
+              <a:spcBef>
+                <a:spcPts val="500"/>
+              </a:spcBef>
+              <a:buFont typeface="Arial" panose="020B0604020202020204" pitchFamily="34" charset="0"/>
+              <a:buChar char="•"/>
+              <a:defRPr lang="zh-CN" sz="1400" kern="1200">
+                <a:solidFill>
+                  <a:schemeClr val="tx1"/>
+                </a:solidFill>
+                <a:latin typeface="+mn-lt"/>
+                <a:ea typeface="+mn-ea"/>
+                <a:cs typeface="+mn-cs"/>
+              </a:defRPr>
+            </a:lvl9pPr>
+          </a:lstStyle>
+          <a:p>
+            <a:pPr>
+              <a:lnSpc>
+                <a:spcPct val="120000"/>
+              </a:lnSpc>
             </a:pPr>
             <a:r>
-              <a:rPr lang="en-US" sz="2200" b="0" strike="noStrike" spc="-1" dirty="0">
-                <a:solidFill>
-                  <a:srgbClr val="FFFFFF"/>
-                </a:solidFill>
-                <a:uFill>
-                  <a:solidFill>
-                    <a:srgbClr val="FFFFFF"/>
-                  </a:solidFill>
-                </a:uFill>
-                <a:latin typeface="Arial"/>
-                <a:ea typeface="DejaVu Sans"/>
-              </a:rPr>
-              <a:t>X86 </a:t>
-            </a:r>
-            <a:r>
-              <a:rPr lang="en-US" sz="2200" b="0" strike="noStrike" spc="-1" dirty="0" err="1">
-                <a:solidFill>
-                  <a:srgbClr val="FFFFFF"/>
-                </a:solidFill>
-                <a:uFill>
-                  <a:solidFill>
-                    <a:srgbClr val="FFFFFF"/>
-                  </a:solidFill>
-                </a:uFill>
-                <a:latin typeface="Arial"/>
-                <a:ea typeface="DejaVu Sans"/>
+              <a:rPr lang="zh-CN" altLang="en-US" sz="2000" b="1" dirty="0" smtClean="0">
+                <a:solidFill>
+                  <a:schemeClr val="bg1"/>
+                </a:solidFill>
+              </a:rPr>
+              <a:t>在挂载系统中执行程序：</a:t>
+            </a:r>
+            <a:endParaRPr lang="en-US" altLang="zh-CN" sz="2000" b="1" dirty="0" smtClean="0">
+              <a:solidFill>
+                <a:schemeClr val="bg1"/>
+              </a:solidFill>
+            </a:endParaRPr>
+          </a:p>
+        </p:txBody>
+      </p:sp>
+      <p:sp>
+        <p:nvSpPr>
+          <p:cNvPr id="8" name="内容占位符 2"/>
+          <p:cNvSpPr txBox="1">
+            <a:spLocks/>
+          </p:cNvSpPr>
+          <p:nvPr/>
+        </p:nvSpPr>
+        <p:spPr>
+          <a:xfrm>
+            <a:off x="1196280" y="2193704"/>
+            <a:ext cx="9745548" cy="4356174"/>
+          </a:xfrm>
+          <a:prstGeom prst="rect">
+            <a:avLst/>
+          </a:prstGeom>
+        </p:spPr>
+        <p:txBody>
+          <a:bodyPr vert="horz" lIns="91440" tIns="45720" rIns="91440" bIns="45720" rtlCol="0">
+            <a:noAutofit/>
+          </a:bodyPr>
+          <a:lstStyle>
+            <a:lvl1pPr marL="228600" indent="-228600" algn="l" defTabSz="914400" rtl="0" eaLnBrk="1" latinLnBrk="0" hangingPunct="1">
+              <a:lnSpc>
+                <a:spcPct val="90000"/>
+              </a:lnSpc>
+              <a:spcBef>
+                <a:spcPts val="1000"/>
+              </a:spcBef>
+              <a:buFont typeface="Arial" panose="020B0604020202020204" pitchFamily="34" charset="0"/>
+              <a:buChar char="•"/>
+              <a:defRPr lang="zh-CN" sz="2400" kern="1200">
+                <a:solidFill>
+                  <a:schemeClr val="tx1"/>
+                </a:solidFill>
+                <a:effectLst>
+                  <a:outerShdw blurRad="228600" algn="ctr" rotWithShape="0">
+                    <a:prstClr val="black">
+                      <a:alpha val="53000"/>
+                    </a:prstClr>
+                  </a:outerShdw>
+                </a:effectLst>
+                <a:latin typeface="Microsoft YaHei UI" panose="020B0503020204020204" pitchFamily="34" charset="-122"/>
+                <a:ea typeface="Microsoft YaHei UI" panose="020B0503020204020204" pitchFamily="34" charset="-122"/>
+                <a:cs typeface="+mn-cs"/>
+              </a:defRPr>
+            </a:lvl1pPr>
+            <a:lvl2pPr marL="685800" indent="-228600" algn="l" defTabSz="914400" rtl="0" eaLnBrk="1" latinLnBrk="0" hangingPunct="1">
+              <a:lnSpc>
+                <a:spcPct val="90000"/>
+              </a:lnSpc>
+              <a:spcBef>
+                <a:spcPts val="500"/>
+              </a:spcBef>
+              <a:buFont typeface="Arial" panose="020B0604020202020204" pitchFamily="34" charset="0"/>
+              <a:buChar char="•"/>
+              <a:defRPr lang="zh-CN" sz="2000" kern="1200">
+                <a:solidFill>
+                  <a:schemeClr val="tx1"/>
+                </a:solidFill>
+                <a:effectLst>
+                  <a:outerShdw blurRad="228600" algn="ctr" rotWithShape="0">
+                    <a:prstClr val="black">
+                      <a:alpha val="53000"/>
+                    </a:prstClr>
+                  </a:outerShdw>
+                </a:effectLst>
+                <a:latin typeface="Microsoft YaHei UI" panose="020B0503020204020204" pitchFamily="34" charset="-122"/>
+                <a:ea typeface="Microsoft YaHei UI" panose="020B0503020204020204" pitchFamily="34" charset="-122"/>
+                <a:cs typeface="+mn-cs"/>
+              </a:defRPr>
+            </a:lvl2pPr>
+            <a:lvl3pPr marL="1143000" indent="-228600" algn="l" defTabSz="914400" rtl="0" eaLnBrk="1" latinLnBrk="0" hangingPunct="1">
+              <a:lnSpc>
+                <a:spcPct val="90000"/>
+              </a:lnSpc>
+              <a:spcBef>
+                <a:spcPts val="500"/>
+              </a:spcBef>
+              <a:buFont typeface="Arial" panose="020B0604020202020204" pitchFamily="34" charset="0"/>
+              <a:buChar char="•"/>
+              <a:defRPr lang="zh-CN" sz="1800" kern="1200">
+                <a:solidFill>
+                  <a:schemeClr val="tx1"/>
+                </a:solidFill>
+                <a:effectLst>
+                  <a:outerShdw blurRad="228600" algn="ctr" rotWithShape="0">
+                    <a:prstClr val="black">
+                      <a:alpha val="53000"/>
+                    </a:prstClr>
+                  </a:outerShdw>
+                </a:effectLst>
+                <a:latin typeface="Microsoft YaHei UI" panose="020B0503020204020204" pitchFamily="34" charset="-122"/>
+                <a:ea typeface="Microsoft YaHei UI" panose="020B0503020204020204" pitchFamily="34" charset="-122"/>
+                <a:cs typeface="+mn-cs"/>
+              </a:defRPr>
+            </a:lvl3pPr>
+            <a:lvl4pPr marL="1600200" indent="-228600" algn="l" defTabSz="914400" rtl="0" eaLnBrk="1" latinLnBrk="0" hangingPunct="1">
+              <a:lnSpc>
+                <a:spcPct val="90000"/>
+              </a:lnSpc>
+              <a:spcBef>
+                <a:spcPts val="500"/>
+              </a:spcBef>
+              <a:buFont typeface="Arial" panose="020B0604020202020204" pitchFamily="34" charset="0"/>
+              <a:buChar char="•"/>
+              <a:defRPr lang="zh-CN" sz="1600" kern="1200">
+                <a:solidFill>
+                  <a:schemeClr val="tx1"/>
+                </a:solidFill>
+                <a:effectLst>
+                  <a:outerShdw blurRad="228600" algn="ctr" rotWithShape="0">
+                    <a:prstClr val="black">
+                      <a:alpha val="53000"/>
+                    </a:prstClr>
+                  </a:outerShdw>
+                </a:effectLst>
+                <a:latin typeface="Microsoft YaHei UI" panose="020B0503020204020204" pitchFamily="34" charset="-122"/>
+                <a:ea typeface="Microsoft YaHei UI" panose="020B0503020204020204" pitchFamily="34" charset="-122"/>
+                <a:cs typeface="+mn-cs"/>
+              </a:defRPr>
+            </a:lvl4pPr>
+            <a:lvl5pPr marL="2057400" indent="-228600" algn="l" defTabSz="914400" rtl="0" eaLnBrk="1" latinLnBrk="0" hangingPunct="1">
+              <a:lnSpc>
+                <a:spcPct val="90000"/>
+              </a:lnSpc>
+              <a:spcBef>
+                <a:spcPts val="500"/>
+              </a:spcBef>
+              <a:buFont typeface="Arial" panose="020B0604020202020204" pitchFamily="34" charset="0"/>
+              <a:buChar char="•"/>
+              <a:defRPr lang="zh-CN" sz="1600" kern="1200">
+                <a:solidFill>
+                  <a:schemeClr val="tx1"/>
+                </a:solidFill>
+                <a:effectLst>
+                  <a:outerShdw blurRad="228600" algn="ctr" rotWithShape="0">
+                    <a:prstClr val="black">
+                      <a:alpha val="53000"/>
+                    </a:prstClr>
+                  </a:outerShdw>
+                </a:effectLst>
+                <a:latin typeface="Microsoft YaHei UI" panose="020B0503020204020204" pitchFamily="34" charset="-122"/>
+                <a:ea typeface="Microsoft YaHei UI" panose="020B0503020204020204" pitchFamily="34" charset="-122"/>
+                <a:cs typeface="+mn-cs"/>
+              </a:defRPr>
+            </a:lvl5pPr>
+            <a:lvl6pPr marL="2514600" indent="-228600" algn="l" defTabSz="914400" rtl="0" eaLnBrk="1" latinLnBrk="0" hangingPunct="1">
+              <a:lnSpc>
+                <a:spcPct val="90000"/>
+              </a:lnSpc>
+              <a:spcBef>
+                <a:spcPts val="500"/>
+              </a:spcBef>
+              <a:buFont typeface="Arial" panose="020B0604020202020204" pitchFamily="34" charset="0"/>
+              <a:buChar char="•"/>
+              <a:defRPr lang="zh-CN" sz="1400" kern="1200">
+                <a:solidFill>
+                  <a:schemeClr val="tx1"/>
+                </a:solidFill>
+                <a:latin typeface="+mn-lt"/>
+                <a:ea typeface="+mn-ea"/>
+                <a:cs typeface="+mn-cs"/>
+              </a:defRPr>
+            </a:lvl6pPr>
+            <a:lvl7pPr marL="2971800" indent="-228600" algn="l" defTabSz="914400" rtl="0" eaLnBrk="1" latinLnBrk="0" hangingPunct="1">
+              <a:lnSpc>
+                <a:spcPct val="90000"/>
+              </a:lnSpc>
+              <a:spcBef>
+                <a:spcPts val="500"/>
+              </a:spcBef>
+              <a:buFont typeface="Arial" panose="020B0604020202020204" pitchFamily="34" charset="0"/>
+              <a:buChar char="•"/>
+              <a:defRPr lang="zh-CN" sz="1400" kern="1200">
+                <a:solidFill>
+                  <a:schemeClr val="tx1"/>
+                </a:solidFill>
+                <a:latin typeface="+mn-lt"/>
+                <a:ea typeface="+mn-ea"/>
+                <a:cs typeface="+mn-cs"/>
+              </a:defRPr>
+            </a:lvl7pPr>
+            <a:lvl8pPr marL="3429000" indent="-228600" algn="l" defTabSz="914400" rtl="0" eaLnBrk="1" latinLnBrk="0" hangingPunct="1">
+              <a:lnSpc>
+                <a:spcPct val="90000"/>
+              </a:lnSpc>
+              <a:spcBef>
+                <a:spcPts val="500"/>
+              </a:spcBef>
+              <a:buFont typeface="Arial" panose="020B0604020202020204" pitchFamily="34" charset="0"/>
+              <a:buChar char="•"/>
+              <a:defRPr lang="zh-CN" sz="1400" kern="1200">
+                <a:solidFill>
+                  <a:schemeClr val="tx1"/>
+                </a:solidFill>
+                <a:latin typeface="+mn-lt"/>
+                <a:ea typeface="+mn-ea"/>
+                <a:cs typeface="+mn-cs"/>
+              </a:defRPr>
+            </a:lvl8pPr>
+            <a:lvl9pPr marL="3886200" indent="-228600" algn="l" defTabSz="914400" rtl="0" eaLnBrk="1" latinLnBrk="0" hangingPunct="1">
+              <a:lnSpc>
+                <a:spcPct val="90000"/>
+              </a:lnSpc>
+              <a:spcBef>
+                <a:spcPts val="500"/>
+              </a:spcBef>
+              <a:buFont typeface="Arial" panose="020B0604020202020204" pitchFamily="34" charset="0"/>
+              <a:buChar char="•"/>
+              <a:defRPr lang="zh-CN" sz="1400" kern="1200">
+                <a:solidFill>
+                  <a:schemeClr val="tx1"/>
+                </a:solidFill>
+                <a:latin typeface="+mn-lt"/>
+                <a:ea typeface="+mn-ea"/>
+                <a:cs typeface="+mn-cs"/>
+              </a:defRPr>
+            </a:lvl9pPr>
+          </a:lstStyle>
+          <a:p>
+            <a:pPr lvl="1">
+              <a:lnSpc>
+                <a:spcPct val="120000"/>
+              </a:lnSpc>
+            </a:pPr>
+            <a:r>
+              <a:rPr lang="en-US" altLang="zh-CN" sz="1600" b="1" dirty="0">
+                <a:solidFill>
+                  <a:schemeClr val="bg1"/>
+                </a:solidFill>
+              </a:rPr>
+              <a:t>m</a:t>
+            </a:r>
+            <a:r>
+              <a:rPr lang="en-US" altLang="zh-CN" sz="1600" b="1" dirty="0" smtClean="0">
+                <a:solidFill>
+                  <a:schemeClr val="bg1"/>
+                </a:solidFill>
+              </a:rPr>
+              <a:t>5term</a:t>
+            </a:r>
+            <a:r>
+              <a:rPr lang="zh-CN" altLang="en-US" sz="1600" b="1" dirty="0" smtClean="0">
+                <a:solidFill>
+                  <a:schemeClr val="bg1"/>
+                </a:solidFill>
+              </a:rPr>
+              <a:t>窗口和</a:t>
+            </a:r>
+            <a:r>
+              <a:rPr lang="en-US" altLang="zh-CN" sz="1600" b="1" dirty="0" smtClean="0">
+                <a:solidFill>
+                  <a:schemeClr val="bg1"/>
+                </a:solidFill>
+              </a:rPr>
+              <a:t>gem5</a:t>
+            </a:r>
+            <a:r>
+              <a:rPr lang="zh-CN" altLang="en-US" sz="1600" b="1" dirty="0" smtClean="0">
+                <a:solidFill>
+                  <a:schemeClr val="bg1"/>
+                </a:solidFill>
+              </a:rPr>
+              <a:t>的</a:t>
+            </a:r>
+            <a:r>
+              <a:rPr lang="en-US" altLang="zh-CN" sz="1600" b="1" dirty="0" smtClean="0">
+                <a:solidFill>
+                  <a:schemeClr val="bg1"/>
+                </a:solidFill>
+              </a:rPr>
+              <a:t>fs</a:t>
+            </a:r>
+            <a:r>
+              <a:rPr lang="zh-CN" altLang="en-US" sz="1600" b="1" dirty="0" smtClean="0">
+                <a:solidFill>
+                  <a:schemeClr val="bg1"/>
+                </a:solidFill>
+              </a:rPr>
+              <a:t>模拟窗口</a:t>
+            </a:r>
+            <a:endParaRPr lang="en-US" altLang="zh-CN" sz="1600" b="1" dirty="0" smtClean="0">
+              <a:solidFill>
+                <a:schemeClr val="bg1"/>
+              </a:solidFill>
+            </a:endParaRPr>
+          </a:p>
+          <a:p>
+            <a:pPr lvl="1">
+              <a:lnSpc>
+                <a:spcPct val="120000"/>
+              </a:lnSpc>
+            </a:pPr>
+            <a:r>
+              <a:rPr lang="en-US" altLang="zh-CN" sz="1600" b="1" dirty="0" err="1" smtClean="0">
+                <a:solidFill>
+                  <a:schemeClr val="bg1"/>
+                </a:solidFill>
+              </a:rPr>
+              <a:t>Sudo</a:t>
+            </a:r>
+            <a:r>
+              <a:rPr lang="en-US" altLang="zh-CN" sz="1600" b="1" dirty="0" smtClean="0">
+                <a:solidFill>
+                  <a:schemeClr val="bg1"/>
+                </a:solidFill>
+              </a:rPr>
+              <a:t> mount /</a:t>
+            </a:r>
+            <a:r>
+              <a:rPr lang="en-US" altLang="zh-CN" sz="1600" b="1" dirty="0" err="1" smtClean="0">
+                <a:solidFill>
+                  <a:schemeClr val="bg1"/>
+                </a:solidFill>
+              </a:rPr>
+              <a:t>dist</a:t>
+            </a:r>
+            <a:r>
+              <a:rPr lang="en-US" altLang="zh-CN" sz="1600" b="1" dirty="0" smtClean="0">
+                <a:solidFill>
+                  <a:schemeClr val="bg1"/>
+                </a:solidFill>
+              </a:rPr>
+              <a:t>/m5/system/disks/linux-x86.img /</a:t>
+            </a:r>
+            <a:r>
+              <a:rPr lang="en-US" altLang="zh-CN" sz="1600" b="1" dirty="0" err="1" smtClean="0">
+                <a:solidFill>
+                  <a:schemeClr val="bg1"/>
+                </a:solidFill>
+              </a:rPr>
+              <a:t>mnt</a:t>
+            </a:r>
+            <a:endParaRPr lang="en-US" altLang="zh-CN" sz="1600" b="1" dirty="0" smtClean="0">
+              <a:solidFill>
+                <a:schemeClr val="bg1"/>
+              </a:solidFill>
+            </a:endParaRPr>
+          </a:p>
+          <a:p>
+            <a:pPr lvl="1">
+              <a:lnSpc>
+                <a:spcPct val="120000"/>
+              </a:lnSpc>
+            </a:pPr>
+            <a:r>
+              <a:rPr lang="en-US" altLang="zh-CN" sz="1600" b="1" dirty="0" err="1" smtClean="0">
+                <a:solidFill>
+                  <a:schemeClr val="bg1"/>
+                </a:solidFill>
+              </a:rPr>
+              <a:t>Sudo</a:t>
+            </a:r>
+            <a:r>
+              <a:rPr lang="en-US" altLang="zh-CN" sz="1600" b="1" dirty="0" smtClean="0">
+                <a:solidFill>
+                  <a:schemeClr val="bg1"/>
+                </a:solidFill>
+              </a:rPr>
+              <a:t> </a:t>
+            </a:r>
+            <a:r>
+              <a:rPr lang="en-US" altLang="zh-CN" sz="1600" b="1" dirty="0" err="1">
+                <a:solidFill>
+                  <a:schemeClr val="bg1"/>
+                </a:solidFill>
+              </a:rPr>
+              <a:t>c</a:t>
+            </a:r>
+            <a:r>
+              <a:rPr lang="en-US" altLang="zh-CN" sz="1600" b="1" dirty="0" err="1" smtClean="0">
+                <a:solidFill>
+                  <a:schemeClr val="bg1"/>
+                </a:solidFill>
+              </a:rPr>
+              <a:t>p</a:t>
+            </a:r>
+            <a:r>
+              <a:rPr lang="en-US" altLang="zh-CN" sz="1600" b="1" dirty="0" smtClean="0">
+                <a:solidFill>
+                  <a:schemeClr val="bg1"/>
+                </a:solidFill>
+              </a:rPr>
+              <a:t> </a:t>
+            </a:r>
+            <a:r>
+              <a:rPr lang="en-US" altLang="zh-CN" sz="1600" b="1" dirty="0" err="1" smtClean="0">
+                <a:solidFill>
+                  <a:schemeClr val="bg1"/>
+                </a:solidFill>
+              </a:rPr>
+              <a:t>test.c</a:t>
+            </a:r>
+            <a:r>
+              <a:rPr lang="en-US" altLang="zh-CN" sz="1600" b="1" dirty="0" smtClean="0">
+                <a:solidFill>
+                  <a:schemeClr val="bg1"/>
+                </a:solidFill>
+              </a:rPr>
+              <a:t> /</a:t>
+            </a:r>
+            <a:r>
+              <a:rPr lang="en-US" altLang="zh-CN" sz="1600" b="1" dirty="0" err="1" smtClean="0">
+                <a:solidFill>
+                  <a:schemeClr val="bg1"/>
+                </a:solidFill>
+              </a:rPr>
+              <a:t>mnt</a:t>
+            </a:r>
+            <a:endParaRPr lang="en-US" altLang="zh-CN" sz="1600" b="1" dirty="0" smtClean="0">
+              <a:solidFill>
+                <a:schemeClr val="bg1"/>
+              </a:solidFill>
+            </a:endParaRPr>
+          </a:p>
+          <a:p>
+            <a:pPr lvl="1">
+              <a:lnSpc>
+                <a:spcPct val="120000"/>
+              </a:lnSpc>
+            </a:pPr>
+            <a:r>
+              <a:rPr lang="zh-CN" altLang="en-US" sz="1600" b="1" dirty="0" smtClean="0">
+                <a:solidFill>
+                  <a:schemeClr val="bg1"/>
+                </a:solidFill>
+              </a:rPr>
+              <a:t>重新运行</a:t>
+            </a:r>
+            <a:r>
+              <a:rPr lang="en-US" altLang="zh-CN" sz="1600" b="1" dirty="0" smtClean="0">
+                <a:solidFill>
+                  <a:schemeClr val="bg1"/>
+                </a:solidFill>
+              </a:rPr>
+              <a:t>gem5</a:t>
+            </a:r>
+            <a:r>
+              <a:rPr lang="zh-CN" altLang="en-US" sz="1600" b="1" dirty="0" smtClean="0">
+                <a:solidFill>
+                  <a:schemeClr val="bg1"/>
+                </a:solidFill>
+              </a:rPr>
+              <a:t>的</a:t>
+            </a:r>
+            <a:r>
+              <a:rPr lang="en-US" altLang="zh-CN" sz="1600" b="1" dirty="0" smtClean="0">
+                <a:solidFill>
+                  <a:schemeClr val="bg1"/>
+                </a:solidFill>
               </a:rPr>
               <a:t>FS</a:t>
             </a:r>
             <a:r>
-              <a:rPr lang="en-US" sz="2200" b="0" strike="noStrike" spc="-1" dirty="0" err="1" smtClean="0">
-                <a:solidFill>
-                  <a:srgbClr val="FFFFFF"/>
-                </a:solidFill>
-                <a:uFill>
-                  <a:solidFill>
-                    <a:srgbClr val="FFFFFF"/>
-                  </a:solidFill>
-                </a:uFill>
-                <a:latin typeface="Arial"/>
-                <a:ea typeface="DejaVu Sans"/>
-              </a:rPr>
-              <a:t>模式</a:t>
-            </a:r>
-            <a:r>
-              <a:rPr lang="en-US" altLang="zh-CN" sz="2200" spc="-1" dirty="0" smtClean="0">
-                <a:solidFill>
-                  <a:srgbClr val="FFFFFF"/>
-                </a:solidFill>
-                <a:uFill>
-                  <a:solidFill>
-                    <a:srgbClr val="FFFFFF"/>
-                  </a:solidFill>
-                </a:uFill>
-                <a:latin typeface="Arial"/>
-                <a:ea typeface="DejaVu Sans"/>
-              </a:rPr>
-              <a:t>——</a:t>
-            </a:r>
-            <a:r>
-              <a:rPr lang="zh-CN" altLang="en-US" sz="2200" spc="-1" dirty="0" smtClean="0">
-                <a:solidFill>
-                  <a:srgbClr val="FFFFFF"/>
-                </a:solidFill>
-                <a:uFill>
-                  <a:solidFill>
-                    <a:srgbClr val="FFFFFF"/>
-                  </a:solidFill>
-                </a:uFill>
-                <a:latin typeface="Arial"/>
-                <a:ea typeface="DejaVu Sans"/>
-              </a:rPr>
-              <a:t>挂载系统成功：</a:t>
-            </a:r>
-            <a:endParaRPr lang="en-US" altLang="zh-CN" sz="2200" spc="-1" dirty="0" smtClean="0">
+              <a:rPr lang="zh-CN" altLang="en-US" sz="1600" b="1" dirty="0" smtClean="0">
+                <a:solidFill>
+                  <a:schemeClr val="bg1"/>
+                </a:solidFill>
+              </a:rPr>
+              <a:t>模式，开启</a:t>
+            </a:r>
+            <a:r>
+              <a:rPr lang="en-US" altLang="zh-CN" sz="1600" b="1" dirty="0" smtClean="0">
+                <a:solidFill>
+                  <a:schemeClr val="bg1"/>
+                </a:solidFill>
+              </a:rPr>
+              <a:t>m5term</a:t>
+            </a:r>
+            <a:r>
+              <a:rPr lang="zh-CN" altLang="en-US" sz="1600" b="1" dirty="0" smtClean="0">
+                <a:solidFill>
+                  <a:schemeClr val="bg1"/>
+                </a:solidFill>
+              </a:rPr>
+              <a:t>进行交互</a:t>
+            </a:r>
+            <a:endParaRPr lang="en-US" altLang="zh-CN" sz="1600" b="1" dirty="0" smtClean="0">
               <a:solidFill>
-                <a:srgbClr val="FFFFFF"/>
+                <a:schemeClr val="bg1"/>
               </a:solidFill>
-              <a:uFill>
-                <a:solidFill>
-                  <a:srgbClr val="FFFFFF"/>
-                </a:solidFill>
-              </a:uFill>
-              <a:latin typeface="Arial"/>
-              <a:ea typeface="DejaVu Sans"/>
             </a:endParaRPr>
           </a:p>
           <a:p>
-            <a:pPr marL="216000" indent="-213120">
-              <a:lnSpc>
-                <a:spcPct val="100000"/>
-              </a:lnSpc>
-              <a:buClr>
-                <a:srgbClr val="000000"/>
-              </a:buClr>
-              <a:buSzPct val="45000"/>
-              <a:buFont typeface="Wingdings" charset="2"/>
-              <a:buChar char=""/>
+            <a:pPr lvl="1">
+              <a:lnSpc>
+                <a:spcPct val="120000"/>
+              </a:lnSpc>
             </a:pPr>
-            <a:endParaRPr lang="en-US" altLang="zh-CN" sz="2200" spc="-1" dirty="0">
+            <a:r>
+              <a:rPr lang="zh-CN" altLang="en-US" sz="1600" b="1" dirty="0" smtClean="0">
+                <a:solidFill>
+                  <a:schemeClr val="bg1"/>
+                </a:solidFill>
+              </a:rPr>
+              <a:t>通过</a:t>
+            </a:r>
+            <a:r>
+              <a:rPr lang="en-US" altLang="zh-CN" sz="1600" b="1" dirty="0" smtClean="0">
+                <a:solidFill>
+                  <a:schemeClr val="bg1"/>
+                </a:solidFill>
+              </a:rPr>
+              <a:t>m5term</a:t>
+            </a:r>
+            <a:r>
+              <a:rPr lang="zh-CN" altLang="en-US" sz="1600" b="1" dirty="0" smtClean="0">
+                <a:solidFill>
+                  <a:schemeClr val="bg1"/>
+                </a:solidFill>
+              </a:rPr>
+              <a:t>进入模拟系统中，然后编译执行测试程序</a:t>
+            </a:r>
+            <a:endParaRPr lang="en-US" altLang="zh-CN" sz="1600" b="1" dirty="0" smtClean="0">
               <a:solidFill>
-                <a:srgbClr val="FFFFFF"/>
+                <a:schemeClr val="bg1"/>
               </a:solidFill>
-              <a:uFill>
-                <a:solidFill>
-                  <a:srgbClr val="FFFFFF"/>
-                </a:solidFill>
-              </a:uFill>
-              <a:latin typeface="Arial"/>
-              <a:ea typeface="DejaVu Sans"/>
             </a:endParaRPr>
           </a:p>
           <a:p>
-            <a:pPr marL="216000" indent="-213120">
-              <a:lnSpc>
-                <a:spcPct val="100000"/>
-              </a:lnSpc>
-              <a:buClr>
-                <a:srgbClr val="000000"/>
-              </a:buClr>
-              <a:buSzPct val="45000"/>
-              <a:buFont typeface="Wingdings" charset="2"/>
-              <a:buChar char=""/>
+            <a:pPr lvl="1">
+              <a:lnSpc>
+                <a:spcPct val="120000"/>
+              </a:lnSpc>
             </a:pPr>
-            <a:endParaRPr lang="en-US" altLang="zh-CN" sz="2200" spc="-1" dirty="0" smtClean="0">
+            <a:endParaRPr lang="en-US" altLang="zh-CN" sz="1600" b="1" dirty="0" smtClean="0">
               <a:solidFill>
-                <a:srgbClr val="FFFFFF"/>
+                <a:schemeClr val="bg1"/>
               </a:solidFill>
-              <a:uFill>
-                <a:solidFill>
-                  <a:srgbClr val="FFFFFF"/>
-                </a:solidFill>
-              </a:uFill>
-              <a:latin typeface="Arial"/>
-              <a:ea typeface="DejaVu Sans"/>
             </a:endParaRPr>
           </a:p>
           <a:p>
-            <a:pPr marL="216000" indent="-213120">
-              <a:lnSpc>
-                <a:spcPct val="100000"/>
-              </a:lnSpc>
-              <a:buClr>
-                <a:srgbClr val="000000"/>
-              </a:buClr>
-              <a:buSzPct val="45000"/>
-              <a:buFont typeface="Wingdings" charset="2"/>
-              <a:buChar char=""/>
+            <a:pPr lvl="1">
+              <a:lnSpc>
+                <a:spcPct val="120000"/>
+              </a:lnSpc>
             </a:pPr>
-            <a:endParaRPr lang="en-US" altLang="zh-CN" sz="2200" spc="-1" dirty="0">
+            <a:endParaRPr lang="en-US" altLang="zh-CN" sz="1600" b="1" dirty="0" smtClean="0">
               <a:solidFill>
-                <a:srgbClr val="FFFFFF"/>
+                <a:schemeClr val="bg1"/>
               </a:solidFill>
-              <a:uFill>
-                <a:solidFill>
-                  <a:srgbClr val="FFFFFF"/>
-                </a:solidFill>
-              </a:uFill>
-              <a:latin typeface="Arial"/>
-              <a:ea typeface="DejaVu Sans"/>
-            </a:endParaRPr>
-          </a:p>
-          <a:p>
-            <a:pPr marL="216000" indent="-213120">
-              <a:lnSpc>
-                <a:spcPct val="100000"/>
-              </a:lnSpc>
-              <a:buClr>
-                <a:srgbClr val="000000"/>
-              </a:buClr>
-              <a:buSzPct val="45000"/>
-              <a:buFont typeface="Wingdings" charset="2"/>
-              <a:buChar char=""/>
-            </a:pPr>
-            <a:endParaRPr lang="en-US" altLang="zh-CN" sz="2200" spc="-1" dirty="0" smtClean="0">
-              <a:solidFill>
-                <a:srgbClr val="FFFFFF"/>
-              </a:solidFill>
-              <a:uFill>
-                <a:solidFill>
-                  <a:srgbClr val="FFFFFF"/>
-                </a:solidFill>
-              </a:uFill>
-              <a:latin typeface="Arial"/>
-              <a:ea typeface="DejaVu Sans"/>
-            </a:endParaRPr>
-          </a:p>
-          <a:p>
-            <a:pPr marL="216000" indent="-213120">
-              <a:lnSpc>
-                <a:spcPct val="100000"/>
-              </a:lnSpc>
-              <a:buClr>
-                <a:srgbClr val="000000"/>
-              </a:buClr>
-              <a:buSzPct val="45000"/>
-              <a:buFont typeface="Wingdings" charset="2"/>
-              <a:buChar char=""/>
-            </a:pPr>
-            <a:endParaRPr lang="en-US" altLang="zh-CN" sz="2200" spc="-1" dirty="0">
-              <a:solidFill>
-                <a:srgbClr val="FFFFFF"/>
-              </a:solidFill>
-              <a:uFill>
-                <a:solidFill>
-                  <a:srgbClr val="FFFFFF"/>
-                </a:solidFill>
-              </a:uFill>
-              <a:latin typeface="Arial"/>
-              <a:ea typeface="DejaVu Sans"/>
-            </a:endParaRPr>
-          </a:p>
-          <a:p>
-            <a:pPr marL="216000" indent="-213120">
-              <a:lnSpc>
-                <a:spcPct val="100000"/>
-              </a:lnSpc>
-              <a:buClr>
-                <a:srgbClr val="000000"/>
-              </a:buClr>
-              <a:buSzPct val="45000"/>
-              <a:buFont typeface="Wingdings" charset="2"/>
-              <a:buChar char=""/>
-            </a:pPr>
-            <a:endParaRPr lang="en-US" altLang="zh-CN" sz="2200" spc="-1" dirty="0" smtClean="0">
-              <a:solidFill>
-                <a:srgbClr val="FFFFFF"/>
-              </a:solidFill>
-              <a:uFill>
-                <a:solidFill>
-                  <a:srgbClr val="FFFFFF"/>
-                </a:solidFill>
-              </a:uFill>
-              <a:latin typeface="Arial"/>
-              <a:ea typeface="DejaVu Sans"/>
-            </a:endParaRPr>
-          </a:p>
-          <a:p>
-            <a:pPr marL="216000" indent="-213120">
-              <a:lnSpc>
-                <a:spcPct val="100000"/>
-              </a:lnSpc>
-              <a:buClr>
-                <a:srgbClr val="000000"/>
-              </a:buClr>
-              <a:buSzPct val="45000"/>
-              <a:buFont typeface="Wingdings" charset="2"/>
-              <a:buChar char=""/>
-            </a:pPr>
-            <a:endParaRPr lang="en-US" altLang="zh-CN" sz="2200" spc="-1" dirty="0">
-              <a:solidFill>
-                <a:srgbClr val="FFFFFF"/>
-              </a:solidFill>
-              <a:uFill>
-                <a:solidFill>
-                  <a:srgbClr val="FFFFFF"/>
-                </a:solidFill>
-              </a:uFill>
-              <a:latin typeface="Arial"/>
-              <a:ea typeface="DejaVu Sans"/>
-            </a:endParaRPr>
-          </a:p>
-          <a:p>
-            <a:pPr marL="216000" indent="-213120">
-              <a:lnSpc>
-                <a:spcPct val="100000"/>
-              </a:lnSpc>
-              <a:buClr>
-                <a:srgbClr val="000000"/>
-              </a:buClr>
-              <a:buSzPct val="45000"/>
-              <a:buFont typeface="Wingdings" charset="2"/>
-              <a:buChar char=""/>
-            </a:pPr>
-            <a:endParaRPr lang="en-US" altLang="zh-CN" sz="2200" spc="-1" dirty="0" smtClean="0">
-              <a:solidFill>
-                <a:srgbClr val="FFFFFF"/>
-              </a:solidFill>
-              <a:uFill>
-                <a:solidFill>
-                  <a:srgbClr val="FFFFFF"/>
-                </a:solidFill>
-              </a:uFill>
-              <a:latin typeface="Arial"/>
-              <a:ea typeface="DejaVu Sans"/>
-            </a:endParaRPr>
-          </a:p>
-          <a:p>
-            <a:pPr marL="216000" indent="-213120">
-              <a:lnSpc>
-                <a:spcPct val="100000"/>
-              </a:lnSpc>
-              <a:buClr>
-                <a:srgbClr val="000000"/>
-              </a:buClr>
-              <a:buSzPct val="45000"/>
-              <a:buFont typeface="Wingdings" charset="2"/>
-              <a:buChar char=""/>
-            </a:pPr>
-            <a:endParaRPr lang="en-US" altLang="zh-CN" sz="2200" spc="-1" dirty="0">
-              <a:solidFill>
-                <a:srgbClr val="FFFFFF"/>
-              </a:solidFill>
-              <a:uFill>
-                <a:solidFill>
-                  <a:srgbClr val="FFFFFF"/>
-                </a:solidFill>
-              </a:uFill>
-              <a:latin typeface="Arial"/>
-              <a:ea typeface="DejaVu Sans"/>
-            </a:endParaRPr>
-          </a:p>
-          <a:p>
-            <a:pPr marL="216000" indent="-213120">
-              <a:lnSpc>
-                <a:spcPct val="100000"/>
-              </a:lnSpc>
-              <a:buClr>
-                <a:srgbClr val="000000"/>
-              </a:buClr>
-              <a:buSzPct val="45000"/>
-              <a:buFont typeface="Wingdings" charset="2"/>
-              <a:buChar char=""/>
-            </a:pPr>
-            <a:endParaRPr lang="en-US" altLang="zh-CN" sz="2200" spc="-1" dirty="0" smtClean="0">
-              <a:solidFill>
-                <a:srgbClr val="FFFFFF"/>
-              </a:solidFill>
-              <a:uFill>
-                <a:solidFill>
-                  <a:srgbClr val="FFFFFF"/>
-                </a:solidFill>
-              </a:uFill>
-              <a:latin typeface="Arial"/>
-              <a:ea typeface="DejaVu Sans"/>
-            </a:endParaRPr>
-          </a:p>
-          <a:p>
-            <a:pPr marL="2880">
-              <a:lnSpc>
-                <a:spcPct val="100000"/>
-              </a:lnSpc>
-              <a:buClr>
-                <a:srgbClr val="000000"/>
-              </a:buClr>
-              <a:buSzPct val="45000"/>
-            </a:pPr>
-            <a:endParaRPr lang="en-US" altLang="zh-CN" sz="2200" spc="-1" dirty="0" smtClean="0">
-              <a:solidFill>
-                <a:srgbClr val="FFFFFF"/>
-              </a:solidFill>
-              <a:uFill>
-                <a:solidFill>
-                  <a:srgbClr val="FFFFFF"/>
-                </a:solidFill>
-              </a:uFill>
-              <a:latin typeface="Arial"/>
-              <a:ea typeface="DejaVu Sans"/>
-            </a:endParaRPr>
-          </a:p>
-          <a:p>
-            <a:pPr marL="216000" indent="-213120">
-              <a:lnSpc>
-                <a:spcPct val="100000"/>
-              </a:lnSpc>
-              <a:buClr>
-                <a:srgbClr val="000000"/>
-              </a:buClr>
-              <a:buSzPct val="45000"/>
-              <a:buFont typeface="Wingdings" charset="2"/>
-              <a:buChar char=""/>
-            </a:pPr>
-            <a:endParaRPr lang="en-US" sz="1800" b="0" strike="noStrike" spc="-1" dirty="0">
-              <a:solidFill>
-                <a:srgbClr val="000000"/>
-              </a:solidFill>
-              <a:uFill>
-                <a:solidFill>
-                  <a:srgbClr val="FFFFFF"/>
-                </a:solidFill>
-              </a:uFill>
-              <a:latin typeface="Arial"/>
             </a:endParaRPr>
           </a:p>
         </p:txBody>
       </p:sp>
       <p:pic>
         <p:nvPicPr>
-          <p:cNvPr id="2" name="图片 1"/>
+          <p:cNvPr id="5" name="图片 4"/>
           <p:cNvPicPr>
             <a:picLocks noChangeAspect="1"/>
           </p:cNvPicPr>
@@ -12017,8 +12573,8 @@
         </p:blipFill>
         <p:spPr>
           <a:xfrm>
-            <a:off x="1484810" y="2199570"/>
-            <a:ext cx="7010400" cy="3879013"/>
+            <a:off x="1942010" y="4066651"/>
+            <a:ext cx="5425441" cy="2560571"/>
           </a:xfrm>
           <a:prstGeom prst="rect">
             <a:avLst/>
@@ -12035,6 +12591,9 @@
   <p:clrMapOvr>
     <a:masterClrMapping/>
   </p:clrMapOvr>
+  <p:transition spd="slow">
+    <p:push dir="u"/>
+  </p:transition>
   <p:timing>
     <p:tnLst>
       <p:par>
@@ -12090,7 +12649,7 @@
         </p:nvSpPr>
         <p:spPr>
           <a:xfrm>
-            <a:off x="4031898" y="464220"/>
+            <a:off x="4319280" y="360000"/>
             <a:ext cx="4894560" cy="1005840"/>
           </a:xfrm>
           <a:prstGeom prst="rect">
@@ -12123,7 +12682,7 @@
               </a:lnSpc>
             </a:pPr>
             <a:r>
-              <a:rPr lang="en-US" sz="4400" b="0" strike="noStrike" spc="-1" dirty="0">
+              <a:rPr lang="en-US" sz="4400" b="0" strike="noStrike" spc="-1">
                 <a:solidFill>
                   <a:srgbClr val="FFFFFF"/>
                 </a:solidFill>
@@ -12135,39 +12694,9 @@
                 <a:latin typeface="方正兰亭超细黑简体"/>
                 <a:ea typeface="方正兰亭超细黑简体"/>
               </a:rPr>
-              <a:t>Gem5</a:t>
-            </a:r>
-            <a:r>
-              <a:rPr lang="en-US" sz="4400" b="0" strike="noStrike" spc="-1" dirty="0" smtClean="0">
-                <a:solidFill>
-                  <a:srgbClr val="FFFFFF"/>
-                </a:solidFill>
-                <a:uFill>
-                  <a:solidFill>
-                    <a:srgbClr val="FFFFFF"/>
-                  </a:solidFill>
-                </a:uFill>
-                <a:latin typeface="方正兰亭超细黑简体"/>
-                <a:ea typeface="方正兰亭超细黑简体"/>
-              </a:rPr>
-              <a:t>的</a:t>
-            </a:r>
-            <a:r>
-              <a:rPr lang="zh-CN" altLang="en-US" sz="4400" b="0" strike="noStrike" spc="-1" dirty="0" smtClean="0">
-                <a:solidFill>
-                  <a:srgbClr val="FFFFFF"/>
-                </a:solidFill>
-                <a:uFill>
-                  <a:solidFill>
-                    <a:srgbClr val="FFFFFF"/>
-                  </a:solidFill>
-                </a:uFill>
-                <a:latin typeface="方正兰亭超细黑简体"/>
-                <a:ea typeface="方正兰亭超细黑简体"/>
-              </a:rPr>
-              <a:t>运行</a:t>
-            </a:r>
-            <a:endParaRPr lang="en-US" sz="1800" b="0" strike="noStrike" spc="-1" dirty="0">
+              <a:t>Gem5的运行</a:t>
+            </a:r>
+            <a:endParaRPr lang="en-US" sz="1800" b="0" strike="noStrike" spc="-1">
               <a:solidFill>
                 <a:srgbClr val="000000"/>
               </a:solidFill>
@@ -12259,7 +12788,7 @@
               </a:lnSpc>
             </a:pPr>
             <a:r>
-              <a:rPr lang="en-US" sz="3600" b="0" strike="noStrike" spc="-1" dirty="0" smtClean="0">
+              <a:rPr lang="en-US" sz="3600" b="0" strike="noStrike" spc="-1">
                 <a:solidFill>
                   <a:srgbClr val="FFFFFF"/>
                 </a:solidFill>
@@ -12273,7 +12802,7 @@
               </a:rPr>
               <a:t>Part3</a:t>
             </a:r>
-            <a:endParaRPr lang="en-US" sz="1800" b="0" strike="noStrike" spc="-1" dirty="0">
+            <a:endParaRPr lang="en-US" sz="1800" b="0" strike="noStrike" spc="-1">
               <a:solidFill>
                 <a:srgbClr val="000000"/>
               </a:solidFill>
@@ -12297,8 +12826,8 @@
         </p:nvSpPr>
         <p:spPr>
           <a:xfrm>
-            <a:off x="1342800" y="3130933"/>
-            <a:ext cx="9745548" cy="1075307"/>
+            <a:off x="1196280" y="1694019"/>
+            <a:ext cx="9745548" cy="499685"/>
           </a:xfrm>
           <a:prstGeom prst="rect">
             <a:avLst/>
@@ -12508,21 +13037,20 @@
             </a:lvl9pPr>
           </a:lstStyle>
           <a:p>
-            <a:pPr marL="0" indent="0" algn="ctr">
+            <a:pPr>
               <a:lnSpc>
                 <a:spcPct val="120000"/>
               </a:lnSpc>
-              <a:buNone/>
             </a:pPr>
             <a:r>
-              <a:rPr lang="zh-CN" altLang="en-US" sz="4400" b="1" dirty="0" smtClean="0">
-                <a:solidFill>
-                  <a:schemeClr val="bg1"/>
-                </a:solidFill>
-              </a:rPr>
-              <a:t>那么挂载这个系统有什么作用呢？</a:t>
-            </a:r>
-            <a:endParaRPr lang="en-US" altLang="zh-CN" sz="4400" b="1" dirty="0" smtClean="0">
+              <a:rPr lang="zh-CN" altLang="en-US" sz="2000" b="1" dirty="0" smtClean="0">
+                <a:solidFill>
+                  <a:schemeClr val="bg1"/>
+                </a:solidFill>
+              </a:rPr>
+              <a:t>在挂载系统中执行程序：</a:t>
+            </a:r>
+            <a:endParaRPr lang="en-US" altLang="zh-CN" sz="2000" b="1" dirty="0" smtClean="0">
               <a:solidFill>
                 <a:schemeClr val="bg1"/>
               </a:solidFill>
@@ -12530,10 +13058,651 @@
           </a:p>
         </p:txBody>
       </p:sp>
+      <p:sp>
+        <p:nvSpPr>
+          <p:cNvPr id="8" name="内容占位符 2"/>
+          <p:cNvSpPr txBox="1">
+            <a:spLocks/>
+          </p:cNvSpPr>
+          <p:nvPr/>
+        </p:nvSpPr>
+        <p:spPr>
+          <a:xfrm>
+            <a:off x="1196280" y="2193704"/>
+            <a:ext cx="8914371" cy="4356174"/>
+          </a:xfrm>
+          <a:prstGeom prst="rect">
+            <a:avLst/>
+          </a:prstGeom>
+        </p:spPr>
+        <p:txBody>
+          <a:bodyPr vert="horz" lIns="91440" tIns="45720" rIns="91440" bIns="45720" rtlCol="0">
+            <a:noAutofit/>
+          </a:bodyPr>
+          <a:lstStyle>
+            <a:lvl1pPr marL="228600" indent="-228600" algn="l" defTabSz="914400" rtl="0" eaLnBrk="1" latinLnBrk="0" hangingPunct="1">
+              <a:lnSpc>
+                <a:spcPct val="90000"/>
+              </a:lnSpc>
+              <a:spcBef>
+                <a:spcPts val="1000"/>
+              </a:spcBef>
+              <a:buFont typeface="Arial" panose="020B0604020202020204" pitchFamily="34" charset="0"/>
+              <a:buChar char="•"/>
+              <a:defRPr lang="zh-CN" sz="2400" kern="1200">
+                <a:solidFill>
+                  <a:schemeClr val="tx1"/>
+                </a:solidFill>
+                <a:effectLst>
+                  <a:outerShdw blurRad="228600" algn="ctr" rotWithShape="0">
+                    <a:prstClr val="black">
+                      <a:alpha val="53000"/>
+                    </a:prstClr>
+                  </a:outerShdw>
+                </a:effectLst>
+                <a:latin typeface="Microsoft YaHei UI" panose="020B0503020204020204" pitchFamily="34" charset="-122"/>
+                <a:ea typeface="Microsoft YaHei UI" panose="020B0503020204020204" pitchFamily="34" charset="-122"/>
+                <a:cs typeface="+mn-cs"/>
+              </a:defRPr>
+            </a:lvl1pPr>
+            <a:lvl2pPr marL="685800" indent="-228600" algn="l" defTabSz="914400" rtl="0" eaLnBrk="1" latinLnBrk="0" hangingPunct="1">
+              <a:lnSpc>
+                <a:spcPct val="90000"/>
+              </a:lnSpc>
+              <a:spcBef>
+                <a:spcPts val="500"/>
+              </a:spcBef>
+              <a:buFont typeface="Arial" panose="020B0604020202020204" pitchFamily="34" charset="0"/>
+              <a:buChar char="•"/>
+              <a:defRPr lang="zh-CN" sz="2000" kern="1200">
+                <a:solidFill>
+                  <a:schemeClr val="tx1"/>
+                </a:solidFill>
+                <a:effectLst>
+                  <a:outerShdw blurRad="228600" algn="ctr" rotWithShape="0">
+                    <a:prstClr val="black">
+                      <a:alpha val="53000"/>
+                    </a:prstClr>
+                  </a:outerShdw>
+                </a:effectLst>
+                <a:latin typeface="Microsoft YaHei UI" panose="020B0503020204020204" pitchFamily="34" charset="-122"/>
+                <a:ea typeface="Microsoft YaHei UI" panose="020B0503020204020204" pitchFamily="34" charset="-122"/>
+                <a:cs typeface="+mn-cs"/>
+              </a:defRPr>
+            </a:lvl2pPr>
+            <a:lvl3pPr marL="1143000" indent="-228600" algn="l" defTabSz="914400" rtl="0" eaLnBrk="1" latinLnBrk="0" hangingPunct="1">
+              <a:lnSpc>
+                <a:spcPct val="90000"/>
+              </a:lnSpc>
+              <a:spcBef>
+                <a:spcPts val="500"/>
+              </a:spcBef>
+              <a:buFont typeface="Arial" panose="020B0604020202020204" pitchFamily="34" charset="0"/>
+              <a:buChar char="•"/>
+              <a:defRPr lang="zh-CN" sz="1800" kern="1200">
+                <a:solidFill>
+                  <a:schemeClr val="tx1"/>
+                </a:solidFill>
+                <a:effectLst>
+                  <a:outerShdw blurRad="228600" algn="ctr" rotWithShape="0">
+                    <a:prstClr val="black">
+                      <a:alpha val="53000"/>
+                    </a:prstClr>
+                  </a:outerShdw>
+                </a:effectLst>
+                <a:latin typeface="Microsoft YaHei UI" panose="020B0503020204020204" pitchFamily="34" charset="-122"/>
+                <a:ea typeface="Microsoft YaHei UI" panose="020B0503020204020204" pitchFamily="34" charset="-122"/>
+                <a:cs typeface="+mn-cs"/>
+              </a:defRPr>
+            </a:lvl3pPr>
+            <a:lvl4pPr marL="1600200" indent="-228600" algn="l" defTabSz="914400" rtl="0" eaLnBrk="1" latinLnBrk="0" hangingPunct="1">
+              <a:lnSpc>
+                <a:spcPct val="90000"/>
+              </a:lnSpc>
+              <a:spcBef>
+                <a:spcPts val="500"/>
+              </a:spcBef>
+              <a:buFont typeface="Arial" panose="020B0604020202020204" pitchFamily="34" charset="0"/>
+              <a:buChar char="•"/>
+              <a:defRPr lang="zh-CN" sz="1600" kern="1200">
+                <a:solidFill>
+                  <a:schemeClr val="tx1"/>
+                </a:solidFill>
+                <a:effectLst>
+                  <a:outerShdw blurRad="228600" algn="ctr" rotWithShape="0">
+                    <a:prstClr val="black">
+                      <a:alpha val="53000"/>
+                    </a:prstClr>
+                  </a:outerShdw>
+                </a:effectLst>
+                <a:latin typeface="Microsoft YaHei UI" panose="020B0503020204020204" pitchFamily="34" charset="-122"/>
+                <a:ea typeface="Microsoft YaHei UI" panose="020B0503020204020204" pitchFamily="34" charset="-122"/>
+                <a:cs typeface="+mn-cs"/>
+              </a:defRPr>
+            </a:lvl4pPr>
+            <a:lvl5pPr marL="2057400" indent="-228600" algn="l" defTabSz="914400" rtl="0" eaLnBrk="1" latinLnBrk="0" hangingPunct="1">
+              <a:lnSpc>
+                <a:spcPct val="90000"/>
+              </a:lnSpc>
+              <a:spcBef>
+                <a:spcPts val="500"/>
+              </a:spcBef>
+              <a:buFont typeface="Arial" panose="020B0604020202020204" pitchFamily="34" charset="0"/>
+              <a:buChar char="•"/>
+              <a:defRPr lang="zh-CN" sz="1600" kern="1200">
+                <a:solidFill>
+                  <a:schemeClr val="tx1"/>
+                </a:solidFill>
+                <a:effectLst>
+                  <a:outerShdw blurRad="228600" algn="ctr" rotWithShape="0">
+                    <a:prstClr val="black">
+                      <a:alpha val="53000"/>
+                    </a:prstClr>
+                  </a:outerShdw>
+                </a:effectLst>
+                <a:latin typeface="Microsoft YaHei UI" panose="020B0503020204020204" pitchFamily="34" charset="-122"/>
+                <a:ea typeface="Microsoft YaHei UI" panose="020B0503020204020204" pitchFamily="34" charset="-122"/>
+                <a:cs typeface="+mn-cs"/>
+              </a:defRPr>
+            </a:lvl5pPr>
+            <a:lvl6pPr marL="2514600" indent="-228600" algn="l" defTabSz="914400" rtl="0" eaLnBrk="1" latinLnBrk="0" hangingPunct="1">
+              <a:lnSpc>
+                <a:spcPct val="90000"/>
+              </a:lnSpc>
+              <a:spcBef>
+                <a:spcPts val="500"/>
+              </a:spcBef>
+              <a:buFont typeface="Arial" panose="020B0604020202020204" pitchFamily="34" charset="0"/>
+              <a:buChar char="•"/>
+              <a:defRPr lang="zh-CN" sz="1400" kern="1200">
+                <a:solidFill>
+                  <a:schemeClr val="tx1"/>
+                </a:solidFill>
+                <a:latin typeface="+mn-lt"/>
+                <a:ea typeface="+mn-ea"/>
+                <a:cs typeface="+mn-cs"/>
+              </a:defRPr>
+            </a:lvl6pPr>
+            <a:lvl7pPr marL="2971800" indent="-228600" algn="l" defTabSz="914400" rtl="0" eaLnBrk="1" latinLnBrk="0" hangingPunct="1">
+              <a:lnSpc>
+                <a:spcPct val="90000"/>
+              </a:lnSpc>
+              <a:spcBef>
+                <a:spcPts val="500"/>
+              </a:spcBef>
+              <a:buFont typeface="Arial" panose="020B0604020202020204" pitchFamily="34" charset="0"/>
+              <a:buChar char="•"/>
+              <a:defRPr lang="zh-CN" sz="1400" kern="1200">
+                <a:solidFill>
+                  <a:schemeClr val="tx1"/>
+                </a:solidFill>
+                <a:latin typeface="+mn-lt"/>
+                <a:ea typeface="+mn-ea"/>
+                <a:cs typeface="+mn-cs"/>
+              </a:defRPr>
+            </a:lvl7pPr>
+            <a:lvl8pPr marL="3429000" indent="-228600" algn="l" defTabSz="914400" rtl="0" eaLnBrk="1" latinLnBrk="0" hangingPunct="1">
+              <a:lnSpc>
+                <a:spcPct val="90000"/>
+              </a:lnSpc>
+              <a:spcBef>
+                <a:spcPts val="500"/>
+              </a:spcBef>
+              <a:buFont typeface="Arial" panose="020B0604020202020204" pitchFamily="34" charset="0"/>
+              <a:buChar char="•"/>
+              <a:defRPr lang="zh-CN" sz="1400" kern="1200">
+                <a:solidFill>
+                  <a:schemeClr val="tx1"/>
+                </a:solidFill>
+                <a:latin typeface="+mn-lt"/>
+                <a:ea typeface="+mn-ea"/>
+                <a:cs typeface="+mn-cs"/>
+              </a:defRPr>
+            </a:lvl8pPr>
+            <a:lvl9pPr marL="3886200" indent="-228600" algn="l" defTabSz="914400" rtl="0" eaLnBrk="1" latinLnBrk="0" hangingPunct="1">
+              <a:lnSpc>
+                <a:spcPct val="90000"/>
+              </a:lnSpc>
+              <a:spcBef>
+                <a:spcPts val="500"/>
+              </a:spcBef>
+              <a:buFont typeface="Arial" panose="020B0604020202020204" pitchFamily="34" charset="0"/>
+              <a:buChar char="•"/>
+              <a:defRPr lang="zh-CN" sz="1400" kern="1200">
+                <a:solidFill>
+                  <a:schemeClr val="tx1"/>
+                </a:solidFill>
+                <a:latin typeface="+mn-lt"/>
+                <a:ea typeface="+mn-ea"/>
+                <a:cs typeface="+mn-cs"/>
+              </a:defRPr>
+            </a:lvl9pPr>
+          </a:lstStyle>
+          <a:p>
+            <a:pPr lvl="1">
+              <a:lnSpc>
+                <a:spcPct val="120000"/>
+              </a:lnSpc>
+            </a:pPr>
+            <a:r>
+              <a:rPr lang="zh-CN" altLang="en-US" sz="1600" b="1" dirty="0" smtClean="0">
+                <a:solidFill>
+                  <a:schemeClr val="bg1"/>
+                </a:solidFill>
+              </a:rPr>
+              <a:t>注意由于</a:t>
+            </a:r>
+            <a:r>
+              <a:rPr lang="en-US" altLang="zh-CN" sz="1600" b="1" dirty="0" smtClean="0">
+                <a:solidFill>
+                  <a:schemeClr val="bg1"/>
+                </a:solidFill>
+              </a:rPr>
+              <a:t>kernel</a:t>
+            </a:r>
+            <a:r>
+              <a:rPr lang="zh-CN" altLang="en-US" sz="1600" b="1" dirty="0" smtClean="0">
+                <a:solidFill>
+                  <a:schemeClr val="bg1"/>
+                </a:solidFill>
+              </a:rPr>
+              <a:t>，</a:t>
+            </a:r>
+            <a:r>
+              <a:rPr lang="en-US" altLang="zh-CN" sz="1600" b="1" dirty="0" err="1" smtClean="0">
+                <a:solidFill>
+                  <a:schemeClr val="bg1"/>
+                </a:solidFill>
+              </a:rPr>
+              <a:t>gcc</a:t>
+            </a:r>
+            <a:r>
+              <a:rPr lang="zh-CN" altLang="en-US" sz="1600" b="1" dirty="0" smtClean="0">
+                <a:solidFill>
+                  <a:schemeClr val="bg1"/>
+                </a:solidFill>
+              </a:rPr>
+              <a:t>环境也不同，直接拷贝编译好的执行程序可能出现各种问题，如：</a:t>
+            </a:r>
+            <a:endParaRPr lang="en-US" altLang="zh-CN" sz="1600" b="1" dirty="0" smtClean="0">
+              <a:solidFill>
+                <a:schemeClr val="bg1"/>
+              </a:solidFill>
+            </a:endParaRPr>
+          </a:p>
+          <a:p>
+            <a:pPr lvl="1">
+              <a:lnSpc>
+                <a:spcPct val="120000"/>
+              </a:lnSpc>
+            </a:pPr>
+            <a:endParaRPr lang="en-US" altLang="zh-CN" sz="1600" b="1" dirty="0">
+              <a:solidFill>
+                <a:schemeClr val="bg1"/>
+              </a:solidFill>
+            </a:endParaRPr>
+          </a:p>
+          <a:p>
+            <a:pPr lvl="1">
+              <a:lnSpc>
+                <a:spcPct val="120000"/>
+              </a:lnSpc>
+            </a:pPr>
+            <a:endParaRPr lang="en-US" altLang="zh-CN" sz="1600" b="1" dirty="0" smtClean="0">
+              <a:solidFill>
+                <a:schemeClr val="bg1"/>
+              </a:solidFill>
+            </a:endParaRPr>
+          </a:p>
+          <a:p>
+            <a:pPr lvl="1">
+              <a:lnSpc>
+                <a:spcPct val="120000"/>
+              </a:lnSpc>
+            </a:pPr>
+            <a:endParaRPr lang="en-US" altLang="zh-CN" sz="1600" b="1" dirty="0">
+              <a:solidFill>
+                <a:schemeClr val="bg1"/>
+              </a:solidFill>
+            </a:endParaRPr>
+          </a:p>
+          <a:p>
+            <a:pPr lvl="1">
+              <a:lnSpc>
+                <a:spcPct val="120000"/>
+              </a:lnSpc>
+            </a:pPr>
+            <a:endParaRPr lang="en-US" altLang="zh-CN" sz="1600" b="1" dirty="0" smtClean="0">
+              <a:solidFill>
+                <a:schemeClr val="bg1"/>
+              </a:solidFill>
+            </a:endParaRPr>
+          </a:p>
+          <a:p>
+            <a:pPr lvl="1">
+              <a:lnSpc>
+                <a:spcPct val="120000"/>
+              </a:lnSpc>
+            </a:pPr>
+            <a:endParaRPr lang="en-US" altLang="zh-CN" sz="1600" b="1" dirty="0" smtClean="0">
+              <a:solidFill>
+                <a:schemeClr val="bg1"/>
+              </a:solidFill>
+            </a:endParaRPr>
+          </a:p>
+          <a:p>
+            <a:pPr lvl="1">
+              <a:lnSpc>
+                <a:spcPct val="120000"/>
+              </a:lnSpc>
+            </a:pPr>
+            <a:endParaRPr lang="en-US" altLang="zh-CN" sz="1600" b="1" dirty="0">
+              <a:solidFill>
+                <a:schemeClr val="bg1"/>
+              </a:solidFill>
+            </a:endParaRPr>
+          </a:p>
+          <a:p>
+            <a:pPr lvl="1">
+              <a:lnSpc>
+                <a:spcPct val="120000"/>
+              </a:lnSpc>
+            </a:pPr>
+            <a:r>
+              <a:rPr lang="zh-CN" altLang="en-US" sz="1600" b="1" dirty="0" smtClean="0">
+                <a:solidFill>
+                  <a:schemeClr val="bg1"/>
+                </a:solidFill>
+              </a:rPr>
+              <a:t>所以最好拷贝源代码去编译执行</a:t>
+            </a:r>
+            <a:endParaRPr lang="en-US" altLang="zh-CN" sz="1600" b="1" dirty="0" smtClean="0">
+              <a:solidFill>
+                <a:schemeClr val="bg1"/>
+              </a:solidFill>
+            </a:endParaRPr>
+          </a:p>
+          <a:p>
+            <a:pPr lvl="1">
+              <a:lnSpc>
+                <a:spcPct val="120000"/>
+              </a:lnSpc>
+            </a:pPr>
+            <a:r>
+              <a:rPr lang="zh-CN" altLang="en-US" sz="1600" b="1" dirty="0">
+                <a:solidFill>
+                  <a:schemeClr val="bg1"/>
+                </a:solidFill>
+              </a:rPr>
+              <a:t>下一步</a:t>
+            </a:r>
+            <a:r>
+              <a:rPr lang="zh-CN" altLang="en-US" sz="1600" b="1" dirty="0" smtClean="0">
+                <a:solidFill>
+                  <a:schemeClr val="bg1"/>
+                </a:solidFill>
+              </a:rPr>
+              <a:t>，寻找</a:t>
+            </a:r>
+            <a:r>
+              <a:rPr lang="en-US" altLang="zh-CN" sz="1600" b="1" dirty="0" smtClean="0">
+                <a:solidFill>
+                  <a:schemeClr val="bg1"/>
+                </a:solidFill>
+              </a:rPr>
+              <a:t>gem5</a:t>
+            </a:r>
+            <a:r>
+              <a:rPr lang="zh-CN" altLang="en-US" sz="1600" b="1" dirty="0" smtClean="0">
+                <a:solidFill>
+                  <a:schemeClr val="bg1"/>
+                </a:solidFill>
+              </a:rPr>
+              <a:t>中的</a:t>
+            </a:r>
+            <a:r>
+              <a:rPr lang="en-US" altLang="zh-CN" sz="1600" b="1" dirty="0" smtClean="0">
+                <a:solidFill>
+                  <a:schemeClr val="bg1"/>
+                </a:solidFill>
+              </a:rPr>
+              <a:t>trace</a:t>
+            </a:r>
+            <a:r>
+              <a:rPr lang="zh-CN" altLang="en-US" sz="1600" b="1" dirty="0" smtClean="0">
+                <a:solidFill>
+                  <a:schemeClr val="bg1"/>
+                </a:solidFill>
+              </a:rPr>
+              <a:t>信息</a:t>
+            </a:r>
+            <a:endParaRPr lang="en-US" altLang="zh-CN" sz="1600" b="1" dirty="0" smtClean="0">
+              <a:solidFill>
+                <a:schemeClr val="bg1"/>
+              </a:solidFill>
+            </a:endParaRPr>
+          </a:p>
+          <a:p>
+            <a:pPr lvl="1">
+              <a:lnSpc>
+                <a:spcPct val="120000"/>
+              </a:lnSpc>
+            </a:pPr>
+            <a:r>
+              <a:rPr lang="zh-CN" altLang="en-US" sz="1600" b="1" dirty="0">
+                <a:solidFill>
+                  <a:schemeClr val="bg1"/>
+                </a:solidFill>
+              </a:rPr>
+              <a:t>在</a:t>
+            </a:r>
+            <a:r>
+              <a:rPr lang="en-US" altLang="zh-CN" sz="1600" b="1" dirty="0" smtClean="0">
+                <a:solidFill>
+                  <a:schemeClr val="bg1"/>
+                </a:solidFill>
+              </a:rPr>
+              <a:t>m5out</a:t>
+            </a:r>
+            <a:r>
+              <a:rPr lang="zh-CN" altLang="en-US" sz="1600" b="1" dirty="0" smtClean="0">
+                <a:solidFill>
+                  <a:schemeClr val="bg1"/>
+                </a:solidFill>
+              </a:rPr>
+              <a:t>文件夹内没有找到</a:t>
+            </a:r>
+            <a:r>
+              <a:rPr lang="en-US" altLang="zh-CN" sz="1600" b="1" dirty="0" err="1" smtClean="0">
+                <a:solidFill>
+                  <a:schemeClr val="bg1"/>
+                </a:solidFill>
+              </a:rPr>
+              <a:t>trace.out</a:t>
+            </a:r>
+            <a:r>
+              <a:rPr lang="zh-CN" altLang="en-US" sz="1600" b="1" dirty="0" smtClean="0">
+                <a:solidFill>
+                  <a:schemeClr val="bg1"/>
+                </a:solidFill>
+              </a:rPr>
+              <a:t>的输出内容，只有</a:t>
+            </a:r>
+            <a:r>
+              <a:rPr lang="en-US" altLang="zh-CN" sz="1600" b="1" dirty="0" smtClean="0">
+                <a:solidFill>
+                  <a:schemeClr val="bg1"/>
+                </a:solidFill>
+              </a:rPr>
+              <a:t>m5term</a:t>
+            </a:r>
+            <a:r>
+              <a:rPr lang="zh-CN" altLang="en-US" sz="1600" b="1" dirty="0" smtClean="0">
+                <a:solidFill>
+                  <a:schemeClr val="bg1"/>
+                </a:solidFill>
+              </a:rPr>
+              <a:t>的</a:t>
+            </a:r>
+            <a:r>
+              <a:rPr lang="en-US" altLang="zh-CN" sz="1600" b="1" dirty="0" smtClean="0">
+                <a:solidFill>
+                  <a:schemeClr val="bg1"/>
+                </a:solidFill>
+              </a:rPr>
+              <a:t>terminal</a:t>
+            </a:r>
+            <a:r>
+              <a:rPr lang="zh-CN" altLang="en-US" sz="1600" b="1" dirty="0" smtClean="0">
+                <a:solidFill>
+                  <a:schemeClr val="bg1"/>
+                </a:solidFill>
+              </a:rPr>
+              <a:t>的输出信息</a:t>
+            </a:r>
+            <a:endParaRPr lang="en-US" altLang="zh-CN" sz="1600" b="1" dirty="0" smtClean="0">
+              <a:solidFill>
+                <a:schemeClr val="bg1"/>
+              </a:solidFill>
+            </a:endParaRPr>
+          </a:p>
+          <a:p>
+            <a:pPr lvl="1">
+              <a:lnSpc>
+                <a:spcPct val="120000"/>
+              </a:lnSpc>
+            </a:pPr>
+            <a:r>
+              <a:rPr lang="zh-CN" altLang="en-US" sz="1600" b="1" dirty="0" smtClean="0">
+                <a:solidFill>
+                  <a:schemeClr val="bg1"/>
+                </a:solidFill>
+              </a:rPr>
+              <a:t>没有任何关于</a:t>
+            </a:r>
+            <a:r>
+              <a:rPr lang="en-US" altLang="zh-CN" sz="1600" b="1" dirty="0" smtClean="0">
+                <a:solidFill>
+                  <a:schemeClr val="bg1"/>
+                </a:solidFill>
+              </a:rPr>
+              <a:t>hello</a:t>
+            </a:r>
+            <a:r>
+              <a:rPr lang="zh-CN" altLang="en-US" sz="1600" b="1" dirty="0" smtClean="0">
+                <a:solidFill>
+                  <a:schemeClr val="bg1"/>
+                </a:solidFill>
+              </a:rPr>
+              <a:t>的</a:t>
+            </a:r>
+            <a:r>
+              <a:rPr lang="en-US" altLang="zh-CN" sz="1600" b="1" dirty="0" smtClean="0">
+                <a:solidFill>
+                  <a:schemeClr val="bg1"/>
+                </a:solidFill>
+              </a:rPr>
+              <a:t>trace</a:t>
+            </a:r>
+            <a:r>
+              <a:rPr lang="zh-CN" altLang="en-US" sz="1600" b="1" dirty="0" smtClean="0">
+                <a:solidFill>
+                  <a:schemeClr val="bg1"/>
+                </a:solidFill>
+              </a:rPr>
+              <a:t>信息</a:t>
+            </a:r>
+            <a:endParaRPr lang="en-US" altLang="zh-CN" sz="1600" b="1" dirty="0" smtClean="0">
+              <a:solidFill>
+                <a:schemeClr val="bg1"/>
+              </a:solidFill>
+            </a:endParaRPr>
+          </a:p>
+          <a:p>
+            <a:pPr marL="457200" lvl="1" indent="0">
+              <a:lnSpc>
+                <a:spcPct val="120000"/>
+              </a:lnSpc>
+              <a:buNone/>
+            </a:pPr>
+            <a:endParaRPr lang="en-US" altLang="zh-CN" sz="1600" b="1" dirty="0" smtClean="0">
+              <a:solidFill>
+                <a:schemeClr val="bg1"/>
+              </a:solidFill>
+            </a:endParaRPr>
+          </a:p>
+          <a:p>
+            <a:pPr lvl="1">
+              <a:lnSpc>
+                <a:spcPct val="120000"/>
+              </a:lnSpc>
+            </a:pPr>
+            <a:endParaRPr lang="en-US" altLang="zh-CN" sz="1600" b="1" dirty="0" smtClean="0">
+              <a:solidFill>
+                <a:schemeClr val="bg1"/>
+              </a:solidFill>
+            </a:endParaRPr>
+          </a:p>
+          <a:p>
+            <a:pPr lvl="1">
+              <a:lnSpc>
+                <a:spcPct val="120000"/>
+              </a:lnSpc>
+            </a:pPr>
+            <a:endParaRPr lang="en-US" altLang="zh-CN" sz="1600" b="1" dirty="0" smtClean="0">
+              <a:solidFill>
+                <a:schemeClr val="bg1"/>
+              </a:solidFill>
+            </a:endParaRPr>
+          </a:p>
+          <a:p>
+            <a:pPr lvl="1">
+              <a:lnSpc>
+                <a:spcPct val="120000"/>
+              </a:lnSpc>
+            </a:pPr>
+            <a:endParaRPr lang="en-US" altLang="zh-CN" sz="1600" b="1" dirty="0" smtClean="0">
+              <a:solidFill>
+                <a:schemeClr val="bg1"/>
+              </a:solidFill>
+            </a:endParaRPr>
+          </a:p>
+        </p:txBody>
+      </p:sp>
+      <p:pic>
+        <p:nvPicPr>
+          <p:cNvPr id="2" name="图片 1"/>
+          <p:cNvPicPr>
+            <a:picLocks noChangeAspect="1"/>
+          </p:cNvPicPr>
+          <p:nvPr/>
+        </p:nvPicPr>
+        <p:blipFill>
+          <a:blip r:embed="rId2">
+            <a:extLst>
+              <a:ext uri="{28A0092B-C50C-407E-A947-70E740481C1C}">
+                <a14:useLocalDpi xmlns:a14="http://schemas.microsoft.com/office/drawing/2010/main" val="0"/>
+              </a:ext>
+            </a:extLst>
+          </a:blip>
+          <a:stretch>
+            <a:fillRect/>
+          </a:stretch>
+        </p:blipFill>
+        <p:spPr>
+          <a:xfrm>
+            <a:off x="1943235" y="2575703"/>
+            <a:ext cx="6791461" cy="1936447"/>
+          </a:xfrm>
+          <a:prstGeom prst="rect">
+            <a:avLst/>
+          </a:prstGeom>
+        </p:spPr>
+      </p:pic>
     </p:spTree>
     <p:extLst>
       <p:ext uri="{BB962C8B-B14F-4D97-AF65-F5344CB8AC3E}">
-        <p14:creationId xmlns:p14="http://schemas.microsoft.com/office/powerpoint/2010/main" val="4154655938"/>
+        <p14:creationId xmlns:p14="http://schemas.microsoft.com/office/powerpoint/2010/main" val="1580548062"/>
       </p:ext>
     </p:extLst>
   </p:cSld>
@@ -12541,7 +13710,7 @@
     <a:masterClrMapping/>
   </p:clrMapOvr>
   <p:transition spd="slow">
-    <p:wheel spokes="1"/>
+    <p:wipe/>
   </p:transition>
   <p:timing>
     <p:tnLst>
@@ -12592,6 +13761,279 @@
       </p:grpSpPr>
       <p:sp>
         <p:nvSpPr>
+          <p:cNvPr id="7" name="内容占位符 2"/>
+          <p:cNvSpPr txBox="1">
+            <a:spLocks/>
+          </p:cNvSpPr>
+          <p:nvPr/>
+        </p:nvSpPr>
+        <p:spPr>
+          <a:xfrm>
+            <a:off x="1342800" y="3130933"/>
+            <a:ext cx="9745548" cy="1075307"/>
+          </a:xfrm>
+          <a:prstGeom prst="rect">
+            <a:avLst/>
+          </a:prstGeom>
+        </p:spPr>
+        <p:txBody>
+          <a:bodyPr vert="horz" lIns="91440" tIns="45720" rIns="91440" bIns="45720" rtlCol="0">
+            <a:noAutofit/>
+          </a:bodyPr>
+          <a:lstStyle>
+            <a:lvl1pPr marL="228600" indent="-228600" algn="l" defTabSz="914400" rtl="0" eaLnBrk="1" latinLnBrk="0" hangingPunct="1">
+              <a:lnSpc>
+                <a:spcPct val="90000"/>
+              </a:lnSpc>
+              <a:spcBef>
+                <a:spcPts val="1000"/>
+              </a:spcBef>
+              <a:buFont typeface="Arial" panose="020B0604020202020204" pitchFamily="34" charset="0"/>
+              <a:buChar char="•"/>
+              <a:defRPr lang="zh-CN" sz="2400" kern="1200">
+                <a:solidFill>
+                  <a:schemeClr val="tx1"/>
+                </a:solidFill>
+                <a:effectLst>
+                  <a:outerShdw blurRad="228600" algn="ctr" rotWithShape="0">
+                    <a:prstClr val="black">
+                      <a:alpha val="53000"/>
+                    </a:prstClr>
+                  </a:outerShdw>
+                </a:effectLst>
+                <a:latin typeface="Microsoft YaHei UI" panose="020B0503020204020204" pitchFamily="34" charset="-122"/>
+                <a:ea typeface="Microsoft YaHei UI" panose="020B0503020204020204" pitchFamily="34" charset="-122"/>
+                <a:cs typeface="+mn-cs"/>
+              </a:defRPr>
+            </a:lvl1pPr>
+            <a:lvl2pPr marL="685800" indent="-228600" algn="l" defTabSz="914400" rtl="0" eaLnBrk="1" latinLnBrk="0" hangingPunct="1">
+              <a:lnSpc>
+                <a:spcPct val="90000"/>
+              </a:lnSpc>
+              <a:spcBef>
+                <a:spcPts val="500"/>
+              </a:spcBef>
+              <a:buFont typeface="Arial" panose="020B0604020202020204" pitchFamily="34" charset="0"/>
+              <a:buChar char="•"/>
+              <a:defRPr lang="zh-CN" sz="2000" kern="1200">
+                <a:solidFill>
+                  <a:schemeClr val="tx1"/>
+                </a:solidFill>
+                <a:effectLst>
+                  <a:outerShdw blurRad="228600" algn="ctr" rotWithShape="0">
+                    <a:prstClr val="black">
+                      <a:alpha val="53000"/>
+                    </a:prstClr>
+                  </a:outerShdw>
+                </a:effectLst>
+                <a:latin typeface="Microsoft YaHei UI" panose="020B0503020204020204" pitchFamily="34" charset="-122"/>
+                <a:ea typeface="Microsoft YaHei UI" panose="020B0503020204020204" pitchFamily="34" charset="-122"/>
+                <a:cs typeface="+mn-cs"/>
+              </a:defRPr>
+            </a:lvl2pPr>
+            <a:lvl3pPr marL="1143000" indent="-228600" algn="l" defTabSz="914400" rtl="0" eaLnBrk="1" latinLnBrk="0" hangingPunct="1">
+              <a:lnSpc>
+                <a:spcPct val="90000"/>
+              </a:lnSpc>
+              <a:spcBef>
+                <a:spcPts val="500"/>
+              </a:spcBef>
+              <a:buFont typeface="Arial" panose="020B0604020202020204" pitchFamily="34" charset="0"/>
+              <a:buChar char="•"/>
+              <a:defRPr lang="zh-CN" sz="1800" kern="1200">
+                <a:solidFill>
+                  <a:schemeClr val="tx1"/>
+                </a:solidFill>
+                <a:effectLst>
+                  <a:outerShdw blurRad="228600" algn="ctr" rotWithShape="0">
+                    <a:prstClr val="black">
+                      <a:alpha val="53000"/>
+                    </a:prstClr>
+                  </a:outerShdw>
+                </a:effectLst>
+                <a:latin typeface="Microsoft YaHei UI" panose="020B0503020204020204" pitchFamily="34" charset="-122"/>
+                <a:ea typeface="Microsoft YaHei UI" panose="020B0503020204020204" pitchFamily="34" charset="-122"/>
+                <a:cs typeface="+mn-cs"/>
+              </a:defRPr>
+            </a:lvl3pPr>
+            <a:lvl4pPr marL="1600200" indent="-228600" algn="l" defTabSz="914400" rtl="0" eaLnBrk="1" latinLnBrk="0" hangingPunct="1">
+              <a:lnSpc>
+                <a:spcPct val="90000"/>
+              </a:lnSpc>
+              <a:spcBef>
+                <a:spcPts val="500"/>
+              </a:spcBef>
+              <a:buFont typeface="Arial" panose="020B0604020202020204" pitchFamily="34" charset="0"/>
+              <a:buChar char="•"/>
+              <a:defRPr lang="zh-CN" sz="1600" kern="1200">
+                <a:solidFill>
+                  <a:schemeClr val="tx1"/>
+                </a:solidFill>
+                <a:effectLst>
+                  <a:outerShdw blurRad="228600" algn="ctr" rotWithShape="0">
+                    <a:prstClr val="black">
+                      <a:alpha val="53000"/>
+                    </a:prstClr>
+                  </a:outerShdw>
+                </a:effectLst>
+                <a:latin typeface="Microsoft YaHei UI" panose="020B0503020204020204" pitchFamily="34" charset="-122"/>
+                <a:ea typeface="Microsoft YaHei UI" panose="020B0503020204020204" pitchFamily="34" charset="-122"/>
+                <a:cs typeface="+mn-cs"/>
+              </a:defRPr>
+            </a:lvl4pPr>
+            <a:lvl5pPr marL="2057400" indent="-228600" algn="l" defTabSz="914400" rtl="0" eaLnBrk="1" latinLnBrk="0" hangingPunct="1">
+              <a:lnSpc>
+                <a:spcPct val="90000"/>
+              </a:lnSpc>
+              <a:spcBef>
+                <a:spcPts val="500"/>
+              </a:spcBef>
+              <a:buFont typeface="Arial" panose="020B0604020202020204" pitchFamily="34" charset="0"/>
+              <a:buChar char="•"/>
+              <a:defRPr lang="zh-CN" sz="1600" kern="1200">
+                <a:solidFill>
+                  <a:schemeClr val="tx1"/>
+                </a:solidFill>
+                <a:effectLst>
+                  <a:outerShdw blurRad="228600" algn="ctr" rotWithShape="0">
+                    <a:prstClr val="black">
+                      <a:alpha val="53000"/>
+                    </a:prstClr>
+                  </a:outerShdw>
+                </a:effectLst>
+                <a:latin typeface="Microsoft YaHei UI" panose="020B0503020204020204" pitchFamily="34" charset="-122"/>
+                <a:ea typeface="Microsoft YaHei UI" panose="020B0503020204020204" pitchFamily="34" charset="-122"/>
+                <a:cs typeface="+mn-cs"/>
+              </a:defRPr>
+            </a:lvl5pPr>
+            <a:lvl6pPr marL="2514600" indent="-228600" algn="l" defTabSz="914400" rtl="0" eaLnBrk="1" latinLnBrk="0" hangingPunct="1">
+              <a:lnSpc>
+                <a:spcPct val="90000"/>
+              </a:lnSpc>
+              <a:spcBef>
+                <a:spcPts val="500"/>
+              </a:spcBef>
+              <a:buFont typeface="Arial" panose="020B0604020202020204" pitchFamily="34" charset="0"/>
+              <a:buChar char="•"/>
+              <a:defRPr lang="zh-CN" sz="1400" kern="1200">
+                <a:solidFill>
+                  <a:schemeClr val="tx1"/>
+                </a:solidFill>
+                <a:latin typeface="+mn-lt"/>
+                <a:ea typeface="+mn-ea"/>
+                <a:cs typeface="+mn-cs"/>
+              </a:defRPr>
+            </a:lvl6pPr>
+            <a:lvl7pPr marL="2971800" indent="-228600" algn="l" defTabSz="914400" rtl="0" eaLnBrk="1" latinLnBrk="0" hangingPunct="1">
+              <a:lnSpc>
+                <a:spcPct val="90000"/>
+              </a:lnSpc>
+              <a:spcBef>
+                <a:spcPts val="500"/>
+              </a:spcBef>
+              <a:buFont typeface="Arial" panose="020B0604020202020204" pitchFamily="34" charset="0"/>
+              <a:buChar char="•"/>
+              <a:defRPr lang="zh-CN" sz="1400" kern="1200">
+                <a:solidFill>
+                  <a:schemeClr val="tx1"/>
+                </a:solidFill>
+                <a:latin typeface="+mn-lt"/>
+                <a:ea typeface="+mn-ea"/>
+                <a:cs typeface="+mn-cs"/>
+              </a:defRPr>
+            </a:lvl7pPr>
+            <a:lvl8pPr marL="3429000" indent="-228600" algn="l" defTabSz="914400" rtl="0" eaLnBrk="1" latinLnBrk="0" hangingPunct="1">
+              <a:lnSpc>
+                <a:spcPct val="90000"/>
+              </a:lnSpc>
+              <a:spcBef>
+                <a:spcPts val="500"/>
+              </a:spcBef>
+              <a:buFont typeface="Arial" panose="020B0604020202020204" pitchFamily="34" charset="0"/>
+              <a:buChar char="•"/>
+              <a:defRPr lang="zh-CN" sz="1400" kern="1200">
+                <a:solidFill>
+                  <a:schemeClr val="tx1"/>
+                </a:solidFill>
+                <a:latin typeface="+mn-lt"/>
+                <a:ea typeface="+mn-ea"/>
+                <a:cs typeface="+mn-cs"/>
+              </a:defRPr>
+            </a:lvl8pPr>
+            <a:lvl9pPr marL="3886200" indent="-228600" algn="l" defTabSz="914400" rtl="0" eaLnBrk="1" latinLnBrk="0" hangingPunct="1">
+              <a:lnSpc>
+                <a:spcPct val="90000"/>
+              </a:lnSpc>
+              <a:spcBef>
+                <a:spcPts val="500"/>
+              </a:spcBef>
+              <a:buFont typeface="Arial" panose="020B0604020202020204" pitchFamily="34" charset="0"/>
+              <a:buChar char="•"/>
+              <a:defRPr lang="zh-CN" sz="1400" kern="1200">
+                <a:solidFill>
+                  <a:schemeClr val="tx1"/>
+                </a:solidFill>
+                <a:latin typeface="+mn-lt"/>
+                <a:ea typeface="+mn-ea"/>
+                <a:cs typeface="+mn-cs"/>
+              </a:defRPr>
+            </a:lvl9pPr>
+          </a:lstStyle>
+          <a:p>
+            <a:pPr marL="0" indent="0" algn="ctr">
+              <a:lnSpc>
+                <a:spcPct val="120000"/>
+              </a:lnSpc>
+              <a:buNone/>
+            </a:pPr>
+            <a:r>
+              <a:rPr lang="zh-CN" altLang="en-US" sz="4400" b="1" dirty="0" smtClean="0">
+                <a:solidFill>
+                  <a:schemeClr val="bg1"/>
+                </a:solidFill>
+              </a:rPr>
+              <a:t>那么挂载这个系统有什么作用呢？</a:t>
+            </a:r>
+            <a:endParaRPr lang="en-US" altLang="zh-CN" sz="4400" b="1" dirty="0" smtClean="0">
+              <a:solidFill>
+                <a:schemeClr val="bg1"/>
+              </a:solidFill>
+            </a:endParaRPr>
+          </a:p>
+        </p:txBody>
+      </p:sp>
+      <p:pic>
+        <p:nvPicPr>
+          <p:cNvPr id="2" name="图片 1"/>
+          <p:cNvPicPr>
+            <a:picLocks noChangeAspect="1"/>
+          </p:cNvPicPr>
+          <p:nvPr/>
+        </p:nvPicPr>
+        <p:blipFill>
+          <a:blip r:embed="rId2">
+            <a:extLst>
+              <a:ext uri="{28A0092B-C50C-407E-A947-70E740481C1C}">
+                <a14:useLocalDpi xmlns:a14="http://schemas.microsoft.com/office/drawing/2010/main" val="0"/>
+              </a:ext>
+            </a:extLst>
+          </a:blip>
+          <a:stretch>
+            <a:fillRect/>
+          </a:stretch>
+        </p:blipFill>
+        <p:spPr>
+          <a:xfrm>
+            <a:off x="1926256" y="1667417"/>
+            <a:ext cx="8578635" cy="5077645"/>
+          </a:xfrm>
+          <a:prstGeom prst="rect">
+            <a:avLst/>
+          </a:prstGeom>
+        </p:spPr>
+      </p:pic>
+      <p:sp>
+        <p:nvSpPr>
           <p:cNvPr id="129" name="CustomShape 1"/>
           <p:cNvSpPr/>
           <p:nvPr/>
@@ -12631,7 +14073,7 @@
               </a:lnSpc>
             </a:pPr>
             <a:r>
-              <a:rPr lang="en-US" altLang="zh-CN" sz="4400" spc="-1" dirty="0">
+              <a:rPr lang="en-US" sz="4400" b="0" strike="noStrike" spc="-1" dirty="0">
                 <a:solidFill>
                   <a:srgbClr val="FFFFFF"/>
                 </a:solidFill>
@@ -12643,10 +14085,10 @@
                 <a:latin typeface="方正兰亭超细黑简体"/>
                 <a:ea typeface="方正兰亭超细黑简体"/>
               </a:rPr>
-              <a:t>Gem5的</a:t>
-            </a:r>
-            <a:r>
-              <a:rPr lang="zh-CN" altLang="en-US" sz="4400" spc="-1" dirty="0">
+              <a:t>Gem5</a:t>
+            </a:r>
+            <a:r>
+              <a:rPr lang="en-US" sz="4400" b="0" strike="noStrike" spc="-1" dirty="0" smtClean="0">
                 <a:solidFill>
                   <a:srgbClr val="FFFFFF"/>
                 </a:solidFill>
@@ -12658,9 +14100,24 @@
                 <a:latin typeface="方正兰亭超细黑简体"/>
                 <a:ea typeface="方正兰亭超细黑简体"/>
               </a:rPr>
+              <a:t>的</a:t>
+            </a:r>
+            <a:r>
+              <a:rPr lang="zh-CN" altLang="en-US" sz="4400" b="0" strike="noStrike" spc="-1" dirty="0" smtClean="0">
+                <a:solidFill>
+                  <a:srgbClr val="FFFFFF"/>
+                </a:solidFill>
+                <a:uFill>
+                  <a:solidFill>
+                    <a:srgbClr val="FFFFFF"/>
+                  </a:solidFill>
+                </a:uFill>
+                <a:latin typeface="方正兰亭超细黑简体"/>
+                <a:ea typeface="方正兰亭超细黑简体"/>
+              </a:rPr>
               <a:t>运行</a:t>
             </a:r>
-            <a:endParaRPr lang="en-US" altLang="zh-CN" spc="-1" dirty="0">
+            <a:endParaRPr lang="en-US" sz="1800" b="0" strike="noStrike" spc="-1" dirty="0">
               <a:solidFill>
                 <a:srgbClr val="000000"/>
               </a:solidFill>
@@ -12669,6 +14126,7 @@
                   <a:srgbClr val="FFFFFF"/>
                 </a:solidFill>
               </a:uFill>
+              <a:latin typeface="Arial"/>
             </a:endParaRPr>
           </a:p>
         </p:txBody>
@@ -12779,273 +14237,356 @@
           </a:p>
         </p:txBody>
       </p:sp>
-      <p:sp>
-        <p:nvSpPr>
-          <p:cNvPr id="7" name="内容占位符 2"/>
-          <p:cNvSpPr txBox="1">
-            <a:spLocks/>
-          </p:cNvSpPr>
-          <p:nvPr/>
-        </p:nvSpPr>
-        <p:spPr>
-          <a:xfrm>
-            <a:off x="1196280" y="1694019"/>
-            <a:ext cx="9745548" cy="499685"/>
-          </a:xfrm>
-          <a:prstGeom prst="rect">
-            <a:avLst/>
-          </a:prstGeom>
-        </p:spPr>
-        <p:txBody>
-          <a:bodyPr vert="horz" lIns="91440" tIns="45720" rIns="91440" bIns="45720" rtlCol="0">
-            <a:noAutofit/>
-          </a:bodyPr>
-          <a:lstStyle>
-            <a:lvl1pPr marL="228600" indent="-228600" algn="l" defTabSz="914400" rtl="0" eaLnBrk="1" latinLnBrk="0" hangingPunct="1">
-              <a:lnSpc>
-                <a:spcPct val="90000"/>
-              </a:lnSpc>
-              <a:spcBef>
-                <a:spcPts val="1000"/>
-              </a:spcBef>
-              <a:buFont typeface="Arial" panose="020B0604020202020204" pitchFamily="34" charset="0"/>
-              <a:buChar char="•"/>
-              <a:defRPr lang="zh-CN" sz="2400" kern="1200">
-                <a:solidFill>
-                  <a:schemeClr val="tx1"/>
-                </a:solidFill>
-                <a:effectLst>
-                  <a:outerShdw blurRad="228600" algn="ctr" rotWithShape="0">
-                    <a:prstClr val="black">
-                      <a:alpha val="53000"/>
-                    </a:prstClr>
-                  </a:outerShdw>
-                </a:effectLst>
-                <a:latin typeface="Microsoft YaHei UI" panose="020B0503020204020204" pitchFamily="34" charset="-122"/>
-                <a:ea typeface="Microsoft YaHei UI" panose="020B0503020204020204" pitchFamily="34" charset="-122"/>
-                <a:cs typeface="+mn-cs"/>
-              </a:defRPr>
-            </a:lvl1pPr>
-            <a:lvl2pPr marL="685800" indent="-228600" algn="l" defTabSz="914400" rtl="0" eaLnBrk="1" latinLnBrk="0" hangingPunct="1">
-              <a:lnSpc>
-                <a:spcPct val="90000"/>
-              </a:lnSpc>
-              <a:spcBef>
-                <a:spcPts val="500"/>
-              </a:spcBef>
-              <a:buFont typeface="Arial" panose="020B0604020202020204" pitchFamily="34" charset="0"/>
-              <a:buChar char="•"/>
-              <a:defRPr lang="zh-CN" sz="2000" kern="1200">
-                <a:solidFill>
-                  <a:schemeClr val="tx1"/>
-                </a:solidFill>
-                <a:effectLst>
-                  <a:outerShdw blurRad="228600" algn="ctr" rotWithShape="0">
-                    <a:prstClr val="black">
-                      <a:alpha val="53000"/>
-                    </a:prstClr>
-                  </a:outerShdw>
-                </a:effectLst>
-                <a:latin typeface="Microsoft YaHei UI" panose="020B0503020204020204" pitchFamily="34" charset="-122"/>
-                <a:ea typeface="Microsoft YaHei UI" panose="020B0503020204020204" pitchFamily="34" charset="-122"/>
-                <a:cs typeface="+mn-cs"/>
-              </a:defRPr>
-            </a:lvl2pPr>
-            <a:lvl3pPr marL="1143000" indent="-228600" algn="l" defTabSz="914400" rtl="0" eaLnBrk="1" latinLnBrk="0" hangingPunct="1">
-              <a:lnSpc>
-                <a:spcPct val="90000"/>
-              </a:lnSpc>
-              <a:spcBef>
-                <a:spcPts val="500"/>
-              </a:spcBef>
-              <a:buFont typeface="Arial" panose="020B0604020202020204" pitchFamily="34" charset="0"/>
-              <a:buChar char="•"/>
-              <a:defRPr lang="zh-CN" sz="1800" kern="1200">
-                <a:solidFill>
-                  <a:schemeClr val="tx1"/>
-                </a:solidFill>
-                <a:effectLst>
-                  <a:outerShdw blurRad="228600" algn="ctr" rotWithShape="0">
-                    <a:prstClr val="black">
-                      <a:alpha val="53000"/>
-                    </a:prstClr>
-                  </a:outerShdw>
-                </a:effectLst>
-                <a:latin typeface="Microsoft YaHei UI" panose="020B0503020204020204" pitchFamily="34" charset="-122"/>
-                <a:ea typeface="Microsoft YaHei UI" panose="020B0503020204020204" pitchFamily="34" charset="-122"/>
-                <a:cs typeface="+mn-cs"/>
-              </a:defRPr>
-            </a:lvl3pPr>
-            <a:lvl4pPr marL="1600200" indent="-228600" algn="l" defTabSz="914400" rtl="0" eaLnBrk="1" latinLnBrk="0" hangingPunct="1">
-              <a:lnSpc>
-                <a:spcPct val="90000"/>
-              </a:lnSpc>
-              <a:spcBef>
-                <a:spcPts val="500"/>
-              </a:spcBef>
-              <a:buFont typeface="Arial" panose="020B0604020202020204" pitchFamily="34" charset="0"/>
-              <a:buChar char="•"/>
-              <a:defRPr lang="zh-CN" sz="1600" kern="1200">
-                <a:solidFill>
-                  <a:schemeClr val="tx1"/>
-                </a:solidFill>
-                <a:effectLst>
-                  <a:outerShdw blurRad="228600" algn="ctr" rotWithShape="0">
-                    <a:prstClr val="black">
-                      <a:alpha val="53000"/>
-                    </a:prstClr>
-                  </a:outerShdw>
-                </a:effectLst>
-                <a:latin typeface="Microsoft YaHei UI" panose="020B0503020204020204" pitchFamily="34" charset="-122"/>
-                <a:ea typeface="Microsoft YaHei UI" panose="020B0503020204020204" pitchFamily="34" charset="-122"/>
-                <a:cs typeface="+mn-cs"/>
-              </a:defRPr>
-            </a:lvl4pPr>
-            <a:lvl5pPr marL="2057400" indent="-228600" algn="l" defTabSz="914400" rtl="0" eaLnBrk="1" latinLnBrk="0" hangingPunct="1">
-              <a:lnSpc>
-                <a:spcPct val="90000"/>
-              </a:lnSpc>
-              <a:spcBef>
-                <a:spcPts val="500"/>
-              </a:spcBef>
-              <a:buFont typeface="Arial" panose="020B0604020202020204" pitchFamily="34" charset="0"/>
-              <a:buChar char="•"/>
-              <a:defRPr lang="zh-CN" sz="1600" kern="1200">
-                <a:solidFill>
-                  <a:schemeClr val="tx1"/>
-                </a:solidFill>
-                <a:effectLst>
-                  <a:outerShdw blurRad="228600" algn="ctr" rotWithShape="0">
-                    <a:prstClr val="black">
-                      <a:alpha val="53000"/>
-                    </a:prstClr>
-                  </a:outerShdw>
-                </a:effectLst>
-                <a:latin typeface="Microsoft YaHei UI" panose="020B0503020204020204" pitchFamily="34" charset="-122"/>
-                <a:ea typeface="Microsoft YaHei UI" panose="020B0503020204020204" pitchFamily="34" charset="-122"/>
-                <a:cs typeface="+mn-cs"/>
-              </a:defRPr>
-            </a:lvl5pPr>
-            <a:lvl6pPr marL="2514600" indent="-228600" algn="l" defTabSz="914400" rtl="0" eaLnBrk="1" latinLnBrk="0" hangingPunct="1">
-              <a:lnSpc>
-                <a:spcPct val="90000"/>
-              </a:lnSpc>
-              <a:spcBef>
-                <a:spcPts val="500"/>
-              </a:spcBef>
-              <a:buFont typeface="Arial" panose="020B0604020202020204" pitchFamily="34" charset="0"/>
-              <a:buChar char="•"/>
-              <a:defRPr lang="zh-CN" sz="1400" kern="1200">
-                <a:solidFill>
-                  <a:schemeClr val="tx1"/>
-                </a:solidFill>
-                <a:latin typeface="+mn-lt"/>
-                <a:ea typeface="+mn-ea"/>
-                <a:cs typeface="+mn-cs"/>
-              </a:defRPr>
-            </a:lvl6pPr>
-            <a:lvl7pPr marL="2971800" indent="-228600" algn="l" defTabSz="914400" rtl="0" eaLnBrk="1" latinLnBrk="0" hangingPunct="1">
-              <a:lnSpc>
-                <a:spcPct val="90000"/>
-              </a:lnSpc>
-              <a:spcBef>
-                <a:spcPts val="500"/>
-              </a:spcBef>
-              <a:buFont typeface="Arial" panose="020B0604020202020204" pitchFamily="34" charset="0"/>
-              <a:buChar char="•"/>
-              <a:defRPr lang="zh-CN" sz="1400" kern="1200">
-                <a:solidFill>
-                  <a:schemeClr val="tx1"/>
-                </a:solidFill>
-                <a:latin typeface="+mn-lt"/>
-                <a:ea typeface="+mn-ea"/>
-                <a:cs typeface="+mn-cs"/>
-              </a:defRPr>
-            </a:lvl7pPr>
-            <a:lvl8pPr marL="3429000" indent="-228600" algn="l" defTabSz="914400" rtl="0" eaLnBrk="1" latinLnBrk="0" hangingPunct="1">
-              <a:lnSpc>
-                <a:spcPct val="90000"/>
-              </a:lnSpc>
-              <a:spcBef>
-                <a:spcPts val="500"/>
-              </a:spcBef>
-              <a:buFont typeface="Arial" panose="020B0604020202020204" pitchFamily="34" charset="0"/>
-              <a:buChar char="•"/>
-              <a:defRPr lang="zh-CN" sz="1400" kern="1200">
-                <a:solidFill>
-                  <a:schemeClr val="tx1"/>
-                </a:solidFill>
-                <a:latin typeface="+mn-lt"/>
-                <a:ea typeface="+mn-ea"/>
-                <a:cs typeface="+mn-cs"/>
-              </a:defRPr>
-            </a:lvl8pPr>
-            <a:lvl9pPr marL="3886200" indent="-228600" algn="l" defTabSz="914400" rtl="0" eaLnBrk="1" latinLnBrk="0" hangingPunct="1">
-              <a:lnSpc>
-                <a:spcPct val="90000"/>
-              </a:lnSpc>
-              <a:spcBef>
-                <a:spcPts val="500"/>
-              </a:spcBef>
-              <a:buFont typeface="Arial" panose="020B0604020202020204" pitchFamily="34" charset="0"/>
-              <a:buChar char="•"/>
-              <a:defRPr lang="zh-CN" sz="1400" kern="1200">
-                <a:solidFill>
-                  <a:schemeClr val="tx1"/>
-                </a:solidFill>
-                <a:latin typeface="+mn-lt"/>
-                <a:ea typeface="+mn-ea"/>
-                <a:cs typeface="+mn-cs"/>
-              </a:defRPr>
-            </a:lvl9pPr>
-          </a:lstStyle>
-          <a:p>
-            <a:pPr>
-              <a:lnSpc>
-                <a:spcPct val="120000"/>
-              </a:lnSpc>
-            </a:pPr>
-            <a:r>
-              <a:rPr lang="en-US" altLang="zh-CN" sz="2000" b="1" dirty="0" smtClean="0">
-                <a:solidFill>
-                  <a:schemeClr val="bg1"/>
-                </a:solidFill>
-              </a:rPr>
-              <a:t>FullO3CPU——FullO3CPU</a:t>
-            </a:r>
-            <a:r>
-              <a:rPr lang="zh-CN" altLang="en-US" sz="2000" b="1" dirty="0" smtClean="0">
-                <a:solidFill>
-                  <a:schemeClr val="bg1"/>
-                </a:solidFill>
-              </a:rPr>
-              <a:t>构造函数</a:t>
-            </a:r>
-            <a:endParaRPr lang="en-US" altLang="zh-CN" sz="2000" b="1" dirty="0" smtClean="0">
-              <a:solidFill>
-                <a:schemeClr val="bg1"/>
-              </a:solidFill>
-            </a:endParaRPr>
-          </a:p>
-        </p:txBody>
-      </p:sp>
     </p:spTree>
     <p:extLst>
       <p:ext uri="{BB962C8B-B14F-4D97-AF65-F5344CB8AC3E}">
-        <p14:creationId xmlns:p14="http://schemas.microsoft.com/office/powerpoint/2010/main" val="3877645784"/>
+        <p14:creationId xmlns:p14="http://schemas.microsoft.com/office/powerpoint/2010/main" val="4154655938"/>
       </p:ext>
     </p:extLst>
   </p:cSld>
   <p:clrMapOvr>
     <a:masterClrMapping/>
   </p:clrMapOvr>
+  <p:transition spd="slow">
+    <p:wheel spokes="1"/>
+  </p:transition>
   <p:timing>
     <p:tnLst>
       <p:par>
         <p:cTn id="1" dur="indefinite" restart="never" nodeType="tmRoot">
           <p:childTnLst>
             <p:seq>
-              <p:cTn id="2" nodeType="mainSeq"/>
+              <p:cTn id="2" nodeType="mainSeq">
+                <p:childTnLst>
+                  <p:par>
+                    <p:cTn id="3" fill="hold">
+                      <p:stCondLst>
+                        <p:cond delay="indefinite"/>
+                      </p:stCondLst>
+                      <p:childTnLst>
+                        <p:par>
+                          <p:cTn id="4" fill="hold">
+                            <p:stCondLst>
+                              <p:cond delay="0"/>
+                            </p:stCondLst>
+                            <p:childTnLst>
+                              <p:par>
+                                <p:cTn id="5" presetID="31" presetClass="entr" presetSubtype="0" fill="hold" grpId="0" nodeType="clickEffect">
+                                  <p:stCondLst>
+                                    <p:cond delay="0"/>
+                                  </p:stCondLst>
+                                  <p:childTnLst>
+                                    <p:set>
+                                      <p:cBhvr>
+                                        <p:cTn id="6" dur="1" fill="hold">
+                                          <p:stCondLst>
+                                            <p:cond delay="0"/>
+                                          </p:stCondLst>
+                                        </p:cTn>
+                                        <p:tgtEl>
+                                          <p:spTgt spid="7"/>
+                                        </p:tgtEl>
+                                        <p:attrNameLst>
+                                          <p:attrName>style.visibility</p:attrName>
+                                        </p:attrNameLst>
+                                      </p:cBhvr>
+                                      <p:to>
+                                        <p:strVal val="visible"/>
+                                      </p:to>
+                                    </p:set>
+                                    <p:anim calcmode="lin" valueType="num">
+                                      <p:cBhvr>
+                                        <p:cTn id="7" dur="1000" fill="hold"/>
+                                        <p:tgtEl>
+                                          <p:spTgt spid="7"/>
+                                        </p:tgtEl>
+                                        <p:attrNameLst>
+                                          <p:attrName>ppt_w</p:attrName>
+                                        </p:attrNameLst>
+                                      </p:cBhvr>
+                                      <p:tavLst>
+                                        <p:tav tm="0">
+                                          <p:val>
+                                            <p:fltVal val="0"/>
+                                          </p:val>
+                                        </p:tav>
+                                        <p:tav tm="100000">
+                                          <p:val>
+                                            <p:strVal val="#ppt_w"/>
+                                          </p:val>
+                                        </p:tav>
+                                      </p:tavLst>
+                                    </p:anim>
+                                    <p:anim calcmode="lin" valueType="num">
+                                      <p:cBhvr>
+                                        <p:cTn id="8" dur="1000" fill="hold"/>
+                                        <p:tgtEl>
+                                          <p:spTgt spid="7"/>
+                                        </p:tgtEl>
+                                        <p:attrNameLst>
+                                          <p:attrName>ppt_h</p:attrName>
+                                        </p:attrNameLst>
+                                      </p:cBhvr>
+                                      <p:tavLst>
+                                        <p:tav tm="0">
+                                          <p:val>
+                                            <p:fltVal val="0"/>
+                                          </p:val>
+                                        </p:tav>
+                                        <p:tav tm="100000">
+                                          <p:val>
+                                            <p:strVal val="#ppt_h"/>
+                                          </p:val>
+                                        </p:tav>
+                                      </p:tavLst>
+                                    </p:anim>
+                                    <p:anim calcmode="lin" valueType="num">
+                                      <p:cBhvr>
+                                        <p:cTn id="9" dur="1000" fill="hold"/>
+                                        <p:tgtEl>
+                                          <p:spTgt spid="7"/>
+                                        </p:tgtEl>
+                                        <p:attrNameLst>
+                                          <p:attrName>style.rotation</p:attrName>
+                                        </p:attrNameLst>
+                                      </p:cBhvr>
+                                      <p:tavLst>
+                                        <p:tav tm="0">
+                                          <p:val>
+                                            <p:fltVal val="90"/>
+                                          </p:val>
+                                        </p:tav>
+                                        <p:tav tm="100000">
+                                          <p:val>
+                                            <p:fltVal val="0"/>
+                                          </p:val>
+                                        </p:tav>
+                                      </p:tavLst>
+                                    </p:anim>
+                                    <p:animEffect transition="in" filter="fade">
+                                      <p:cBhvr>
+                                        <p:cTn id="10" dur="1000"/>
+                                        <p:tgtEl>
+                                          <p:spTgt spid="7"/>
+                                        </p:tgtEl>
+                                      </p:cBhvr>
+                                    </p:animEffect>
+                                  </p:childTnLst>
+                                </p:cTn>
+                              </p:par>
+                            </p:childTnLst>
+                          </p:cTn>
+                        </p:par>
+                      </p:childTnLst>
+                    </p:cTn>
+                  </p:par>
+                  <p:par>
+                    <p:cTn id="11" fill="hold">
+                      <p:stCondLst>
+                        <p:cond delay="indefinite"/>
+                      </p:stCondLst>
+                      <p:childTnLst>
+                        <p:par>
+                          <p:cTn id="12" fill="hold">
+                            <p:stCondLst>
+                              <p:cond delay="0"/>
+                            </p:stCondLst>
+                            <p:childTnLst>
+                              <p:par>
+                                <p:cTn id="13" presetID="22" presetClass="exit" presetSubtype="4" fill="hold" grpId="1" nodeType="clickEffect">
+                                  <p:stCondLst>
+                                    <p:cond delay="0"/>
+                                  </p:stCondLst>
+                                  <p:childTnLst>
+                                    <p:animEffect transition="out" filter="wipe(down)">
+                                      <p:cBhvr>
+                                        <p:cTn id="14" dur="500"/>
+                                        <p:tgtEl>
+                                          <p:spTgt spid="7"/>
+                                        </p:tgtEl>
+                                      </p:cBhvr>
+                                    </p:animEffect>
+                                    <p:set>
+                                      <p:cBhvr>
+                                        <p:cTn id="15" dur="1" fill="hold">
+                                          <p:stCondLst>
+                                            <p:cond delay="499"/>
+                                          </p:stCondLst>
+                                        </p:cTn>
+                                        <p:tgtEl>
+                                          <p:spTgt spid="7"/>
+                                        </p:tgtEl>
+                                        <p:attrNameLst>
+                                          <p:attrName>style.visibility</p:attrName>
+                                        </p:attrNameLst>
+                                      </p:cBhvr>
+                                      <p:to>
+                                        <p:strVal val="hidden"/>
+                                      </p:to>
+                                    </p:set>
+                                  </p:childTnLst>
+                                </p:cTn>
+                              </p:par>
+                            </p:childTnLst>
+                          </p:cTn>
+                        </p:par>
+                      </p:childTnLst>
+                    </p:cTn>
+                  </p:par>
+                  <p:par>
+                    <p:cTn id="16" fill="hold">
+                      <p:stCondLst>
+                        <p:cond delay="indefinite"/>
+                      </p:stCondLst>
+                      <p:childTnLst>
+                        <p:par>
+                          <p:cTn id="17" fill="hold">
+                            <p:stCondLst>
+                              <p:cond delay="0"/>
+                            </p:stCondLst>
+                            <p:childTnLst>
+                              <p:par>
+                                <p:cTn id="18" presetID="42" presetClass="entr" presetSubtype="0" fill="hold" nodeType="clickEffect">
+                                  <p:stCondLst>
+                                    <p:cond delay="0"/>
+                                  </p:stCondLst>
+                                  <p:childTnLst>
+                                    <p:set>
+                                      <p:cBhvr>
+                                        <p:cTn id="19" dur="1" fill="hold">
+                                          <p:stCondLst>
+                                            <p:cond delay="0"/>
+                                          </p:stCondLst>
+                                        </p:cTn>
+                                        <p:tgtEl>
+                                          <p:spTgt spid="2"/>
+                                        </p:tgtEl>
+                                        <p:attrNameLst>
+                                          <p:attrName>style.visibility</p:attrName>
+                                        </p:attrNameLst>
+                                      </p:cBhvr>
+                                      <p:to>
+                                        <p:strVal val="visible"/>
+                                      </p:to>
+                                    </p:set>
+                                    <p:animEffect transition="in" filter="fade">
+                                      <p:cBhvr>
+                                        <p:cTn id="20" dur="1000"/>
+                                        <p:tgtEl>
+                                          <p:spTgt spid="2"/>
+                                        </p:tgtEl>
+                                      </p:cBhvr>
+                                    </p:animEffect>
+                                    <p:anim calcmode="lin" valueType="num">
+                                      <p:cBhvr>
+                                        <p:cTn id="21" dur="1000" fill="hold"/>
+                                        <p:tgtEl>
+                                          <p:spTgt spid="2"/>
+                                        </p:tgtEl>
+                                        <p:attrNameLst>
+                                          <p:attrName>ppt_x</p:attrName>
+                                        </p:attrNameLst>
+                                      </p:cBhvr>
+                                      <p:tavLst>
+                                        <p:tav tm="0">
+                                          <p:val>
+                                            <p:strVal val="#ppt_x"/>
+                                          </p:val>
+                                        </p:tav>
+                                        <p:tav tm="100000">
+                                          <p:val>
+                                            <p:strVal val="#ppt_x"/>
+                                          </p:val>
+                                        </p:tav>
+                                      </p:tavLst>
+                                    </p:anim>
+                                    <p:anim calcmode="lin" valueType="num">
+                                      <p:cBhvr>
+                                        <p:cTn id="22" dur="1000" fill="hold"/>
+                                        <p:tgtEl>
+                                          <p:spTgt spid="2"/>
+                                        </p:tgtEl>
+                                        <p:attrNameLst>
+                                          <p:attrName>ppt_y</p:attrName>
+                                        </p:attrNameLst>
+                                      </p:cBhvr>
+                                      <p:tavLst>
+                                        <p:tav tm="0">
+                                          <p:val>
+                                            <p:strVal val="#ppt_y+.1"/>
+                                          </p:val>
+                                        </p:tav>
+                                        <p:tav tm="100000">
+                                          <p:val>
+                                            <p:strVal val="#ppt_y"/>
+                                          </p:val>
+                                        </p:tav>
+                                      </p:tavLst>
+                                    </p:anim>
+                                  </p:childTnLst>
+                                </p:cTn>
+                              </p:par>
+                            </p:childTnLst>
+                          </p:cTn>
+                        </p:par>
+                      </p:childTnLst>
+                    </p:cTn>
+                  </p:par>
+                  <p:par>
+                    <p:cTn id="23" fill="hold">
+                      <p:stCondLst>
+                        <p:cond delay="indefinite"/>
+                      </p:stCondLst>
+                      <p:childTnLst>
+                        <p:par>
+                          <p:cTn id="24" fill="hold">
+                            <p:stCondLst>
+                              <p:cond delay="0"/>
+                            </p:stCondLst>
+                            <p:childTnLst>
+                              <p:par>
+                                <p:cTn id="25" presetID="6" presetClass="exit" presetSubtype="32" fill="hold" nodeType="clickEffect">
+                                  <p:stCondLst>
+                                    <p:cond delay="0"/>
+                                  </p:stCondLst>
+                                  <p:childTnLst>
+                                    <p:animEffect transition="out" filter="circle(out)">
+                                      <p:cBhvr>
+                                        <p:cTn id="26" dur="2000"/>
+                                        <p:tgtEl>
+                                          <p:spTgt spid="2"/>
+                                        </p:tgtEl>
+                                      </p:cBhvr>
+                                    </p:animEffect>
+                                    <p:set>
+                                      <p:cBhvr>
+                                        <p:cTn id="27" dur="1" fill="hold">
+                                          <p:stCondLst>
+                                            <p:cond delay="1999"/>
+                                          </p:stCondLst>
+                                        </p:cTn>
+                                        <p:tgtEl>
+                                          <p:spTgt spid="2"/>
+                                        </p:tgtEl>
+                                        <p:attrNameLst>
+                                          <p:attrName>style.visibility</p:attrName>
+                                        </p:attrNameLst>
+                                      </p:cBhvr>
+                                      <p:to>
+                                        <p:strVal val="hidden"/>
+                                      </p:to>
+                                    </p:set>
+                                  </p:childTnLst>
+                                </p:cTn>
+                              </p:par>
+                            </p:childTnLst>
+                          </p:cTn>
+                        </p:par>
+                      </p:childTnLst>
+                    </p:cTn>
+                  </p:par>
+                </p:childTnLst>
+              </p:cTn>
               <p:prevCondLst>
                 <p:cond evt="onPrev" delay="0">
                   <p:tgtEl>
@@ -13065,6 +14606,10 @@
         </p:cTn>
       </p:par>
     </p:tnLst>
+    <p:bldLst>
+      <p:bldP spid="7" grpId="0"/>
+      <p:bldP spid="7" grpId="1"/>
+    </p:bldLst>
   </p:timing>
 </p:sld>
 </file>
@@ -14588,6 +16133,9 @@
   <p:clrMapOvr>
     <a:masterClrMapping/>
   </p:clrMapOvr>
+  <p:transition spd="slow">
+    <p:wipe/>
+  </p:transition>
   <p:timing>
     <p:tnLst>
       <p:par>
@@ -16071,6 +17619,18 @@
   <p:clrMapOvr>
     <a:masterClrMapping/>
   </p:clrMapOvr>
+  <mc:AlternateContent xmlns:mc="http://schemas.openxmlformats.org/markup-compatibility/2006">
+    <mc:Choice xmlns:p14="http://schemas.microsoft.com/office/powerpoint/2010/main" Requires="p14">
+      <p:transition spd="slow" p14:dur="1500">
+        <p:split orient="vert"/>
+      </p:transition>
+    </mc:Choice>
+    <mc:Fallback>
+      <p:transition spd="slow">
+        <p:split orient="vert"/>
+      </p:transition>
+    </mc:Fallback>
+  </mc:AlternateContent>
   <p:timing>
     <p:tnLst>
       <p:par>
@@ -18021,6 +19581,9 @@
   <p:clrMapOvr>
     <a:masterClrMapping/>
   </p:clrMapOvr>
+  <p:transition spd="slow">
+    <p:wipe/>
+  </p:transition>
   <p:timing>
     <p:tnLst>
       <p:par>
@@ -18636,7 +20199,7 @@
     <a:masterClrMapping/>
   </p:clrMapOvr>
   <p:transition spd="slow">
-    <p:push/>
+    <p:randomBar dir="vert"/>
   </p:transition>
   <p:timing>
     <p:tnLst>
@@ -20567,6 +22130,9 @@
   <p:clrMapOvr>
     <a:masterClrMapping/>
   </p:clrMapOvr>
+  <p:transition spd="slow">
+    <p:push dir="u"/>
+  </p:transition>
   <p:timing>
     <p:tnLst>
       <p:par>
@@ -21890,6 +23456,9 @@
   <p:clrMapOvr>
     <a:masterClrMapping/>
   </p:clrMapOvr>
+  <p:transition spd="slow">
+    <p:push dir="u"/>
+  </p:transition>
   <p:timing>
     <p:tnLst>
       <p:par>
@@ -23347,6 +24916,9 @@
   <p:clrMapOvr>
     <a:masterClrMapping/>
   </p:clrMapOvr>
+  <p:transition spd="slow">
+    <p:wipe/>
+  </p:transition>
   <p:timing>
     <p:tnLst>
       <p:par>
@@ -25086,6 +26658,9 @@
   <p:clrMapOvr>
     <a:masterClrMapping/>
   </p:clrMapOvr>
+  <p:transition spd="slow">
+    <p:push dir="u"/>
+  </p:transition>
   <p:timing>
     <p:tnLst>
       <p:par>
@@ -25305,7 +26880,7 @@
     <a:masterClrMapping/>
   </p:clrMapOvr>
   <p:transition spd="slow">
-    <p:push dir="u"/>
+    <p:wipe/>
   </p:transition>
   <p:timing>
     <p:tnLst>
@@ -26611,6 +28186,9 @@
   <p:clrMapOvr>
     <a:masterClrMapping/>
   </p:clrMapOvr>
+  <p:transition spd="slow">
+    <p:push dir="u"/>
+  </p:transition>
   <p:timing>
     <p:tnLst>
       <p:par>
@@ -28038,6 +29616,9 @@
   <p:clrMapOvr>
     <a:masterClrMapping/>
   </p:clrMapOvr>
+  <p:transition spd="slow">
+    <p:push dir="u"/>
+  </p:transition>
   <p:timing>
     <p:tnLst>
       <p:par>
@@ -29345,6 +30926,9 @@
   <p:clrMapOvr>
     <a:masterClrMapping/>
   </p:clrMapOvr>
+  <p:transition spd="slow">
+    <p:push dir="u"/>
+  </p:transition>
   <p:timing>
     <p:tnLst>
       <p:par>
@@ -31068,6 +32652,18 @@
   <p:clrMapOvr>
     <a:masterClrMapping/>
   </p:clrMapOvr>
+  <mc:AlternateContent xmlns:mc="http://schemas.openxmlformats.org/markup-compatibility/2006">
+    <mc:Choice xmlns:p14="http://schemas.microsoft.com/office/powerpoint/2010/main" Requires="p14">
+      <p:transition spd="slow" p14:dur="1500">
+        <p:split orient="vert"/>
+      </p:transition>
+    </mc:Choice>
+    <mc:Fallback>
+      <p:transition spd="slow">
+        <p:split orient="vert"/>
+      </p:transition>
+    </mc:Fallback>
+  </mc:AlternateContent>
   <p:timing>
     <p:tnLst>
       <p:par>
@@ -32336,6 +33932,9 @@
   <p:clrMapOvr>
     <a:masterClrMapping/>
   </p:clrMapOvr>
+  <p:transition spd="slow">
+    <p:wipe/>
+  </p:transition>
   <p:timing>
     <p:tnLst>
       <p:par>
@@ -32586,8 +34185,8 @@
   <p:clrMapOvr>
     <a:masterClrMapping/>
   </p:clrMapOvr>
-  <p:transition spd="slow">
-    <p:push/>
+  <p:transition spd="med">
+    <p:pull/>
   </p:transition>
   <p:timing>
     <p:tnLst>
@@ -33169,14 +34768,82 @@
         </p:blipFill>
         <p:spPr>
           <a:xfrm>
-            <a:off x="4524442" y="1951959"/>
-            <a:ext cx="2778792" cy="4770670"/>
+            <a:off x="1491216" y="2305883"/>
+            <a:ext cx="2263334" cy="3885724"/>
           </a:xfrm>
           <a:prstGeom prst="rect">
             <a:avLst/>
           </a:prstGeom>
         </p:spPr>
       </p:pic>
+      <p:pic>
+        <p:nvPicPr>
+          <p:cNvPr id="3" name="图片 2"/>
+          <p:cNvPicPr>
+            <a:picLocks noChangeAspect="1"/>
+          </p:cNvPicPr>
+          <p:nvPr/>
+        </p:nvPicPr>
+        <p:blipFill>
+          <a:blip r:embed="rId3">
+            <a:extLst>
+              <a:ext uri="{28A0092B-C50C-407E-A947-70E740481C1C}">
+                <a14:useLocalDpi xmlns:a14="http://schemas.microsoft.com/office/drawing/2010/main" val="0"/>
+              </a:ext>
+            </a:extLst>
+          </a:blip>
+          <a:stretch>
+            <a:fillRect/>
+          </a:stretch>
+        </p:blipFill>
+        <p:spPr>
+          <a:xfrm>
+            <a:off x="4397828" y="1470060"/>
+            <a:ext cx="7255403" cy="5109361"/>
+          </a:xfrm>
+          <a:prstGeom prst="rect">
+            <a:avLst/>
+          </a:prstGeom>
+        </p:spPr>
+      </p:pic>
+      <p:sp>
+        <p:nvSpPr>
+          <p:cNvPr id="4" name="文本框 3"/>
+          <p:cNvSpPr txBox="1"/>
+          <p:nvPr/>
+        </p:nvSpPr>
+        <p:spPr>
+          <a:xfrm>
+            <a:off x="1481171" y="6240867"/>
+            <a:ext cx="2307042" cy="338554"/>
+          </a:xfrm>
+          <a:prstGeom prst="rect">
+            <a:avLst/>
+          </a:prstGeom>
+          <a:noFill/>
+        </p:spPr>
+        <p:txBody>
+          <a:bodyPr wrap="none" rtlCol="0">
+            <a:spAutoFit/>
+          </a:bodyPr>
+          <a:lstStyle/>
+          <a:p>
+            <a:r>
+              <a:rPr lang="en-US" altLang="zh-CN" sz="1600" dirty="0" smtClean="0">
+                <a:solidFill>
+                  <a:schemeClr val="bg1"/>
+                </a:solidFill>
+              </a:rPr>
+              <a:t>Gem5 Fetch to Decode</a:t>
+            </a:r>
+            <a:endParaRPr lang="zh-CN" altLang="en-US" sz="1600" dirty="0">
+              <a:solidFill>
+                <a:schemeClr val="bg1"/>
+              </a:solidFill>
+            </a:endParaRPr>
+          </a:p>
+        </p:txBody>
+      </p:sp>
     </p:spTree>
     <p:extLst>
       <p:ext uri="{BB962C8B-B14F-4D97-AF65-F5344CB8AC3E}">
@@ -33187,6 +34854,9 @@
   <p:clrMapOvr>
     <a:masterClrMapping/>
   </p:clrMapOvr>
+  <p:transition spd="slow">
+    <p:push dir="u"/>
+  </p:transition>
   <p:timing>
     <p:tnLst>
       <p:par>
@@ -33805,6 +35475,9 @@
   <p:clrMapOvr>
     <a:masterClrMapping/>
   </p:clrMapOvr>
+  <p:transition spd="med">
+    <p:pull/>
+  </p:transition>
   <p:timing>
     <p:tnLst>
       <p:par>
@@ -34055,8 +35728,8 @@
   <p:clrMapOvr>
     <a:masterClrMapping/>
   </p:clrMapOvr>
-  <p:transition spd="slow">
-    <p:push/>
+  <p:transition spd="med">
+    <p:pull/>
   </p:transition>
   <p:timing>
     <p:tnLst>
@@ -34789,8 +36462,8 @@
   <p:clrMapOvr>
     <a:masterClrMapping/>
   </p:clrMapOvr>
-  <p:transition>
-    <p:fade/>
+  <p:transition spd="med">
+    <p:pull/>
   </p:transition>
   <p:timing>
     <p:tnLst>
@@ -35621,6 +37294,9 @@
   <p:clrMapOvr>
     <a:masterClrMapping/>
   </p:clrMapOvr>
+  <p:transition spd="med">
+    <p:pull/>
+  </p:transition>
   <p:timing>
     <p:tnLst>
       <p:par>
@@ -36391,9 +38067,18 @@
   <p:clrMapOvr>
     <a:masterClrMapping/>
   </p:clrMapOvr>
-  <p:transition>
-    <p:split dir="in"/>
-  </p:transition>
+  <mc:AlternateContent xmlns:mc="http://schemas.openxmlformats.org/markup-compatibility/2006">
+    <mc:Choice xmlns:p15="http://schemas.microsoft.com/office/powerpoint/2012/main" Requires="p15">
+      <p:transition xmlns:p14="http://schemas.microsoft.com/office/powerpoint/2010/main" spd="slow" p14:dur="2000">
+        <p15:prstTrans prst="fracture"/>
+      </p:transition>
+    </mc:Choice>
+    <mc:Fallback>
+      <p:transition spd="slow">
+        <p:fade/>
+      </p:transition>
+    </mc:Fallback>
+  </mc:AlternateContent>
   <p:timing>
     <p:tnLst>
       <p:par>
@@ -37254,9 +38939,18 @@
   <p:clrMapOvr>
     <a:masterClrMapping/>
   </p:clrMapOvr>
-  <p:transition>
-    <p:push/>
-  </p:transition>
+  <mc:AlternateContent xmlns:mc="http://schemas.openxmlformats.org/markup-compatibility/2006">
+    <mc:Choice xmlns:p15="http://schemas.microsoft.com/office/powerpoint/2012/main" Requires="p15">
+      <p:transition xmlns:p14="http://schemas.microsoft.com/office/powerpoint/2010/main" spd="slow" p14:dur="2000">
+        <p15:prstTrans prst="fracture"/>
+      </p:transition>
+    </mc:Choice>
+    <mc:Fallback>
+      <p:transition spd="slow">
+        <p:fade/>
+      </p:transition>
+    </mc:Fallback>
+  </mc:AlternateContent>
   <p:timing>
     <p:tnLst>
       <p:par>
